--- a/HSP.pptx
+++ b/HSP.pptx
@@ -4,6 +4,9 @@
   <p:sldMasterIdLst>
     <p:sldMasterId id="2147483660" r:id="rId1"/>
   </p:sldMasterIdLst>
+  <p:notesMasterIdLst>
+    <p:notesMasterId r:id="rId19"/>
+  </p:notesMasterIdLst>
   <p:sldIdLst>
     <p:sldId id="256" r:id="rId2"/>
     <p:sldId id="266" r:id="rId3"/>
@@ -18,11 +21,10 @@
     <p:sldId id="268" r:id="rId12"/>
     <p:sldId id="274" r:id="rId13"/>
     <p:sldId id="273" r:id="rId14"/>
-    <p:sldId id="272" r:id="rId15"/>
-    <p:sldId id="259" r:id="rId16"/>
-    <p:sldId id="267" r:id="rId17"/>
-    <p:sldId id="258" r:id="rId18"/>
-    <p:sldId id="271" r:id="rId19"/>
+    <p:sldId id="277" r:id="rId15"/>
+    <p:sldId id="267" r:id="rId16"/>
+    <p:sldId id="258" r:id="rId17"/>
+    <p:sldId id="271" r:id="rId18"/>
   </p:sldIdLst>
   <p:sldSz cx="9144000" cy="6858000" type="screen4x3"/>
   <p:notesSz cx="6858000" cy="9144000"/>
@@ -152,11 +154,11 @@
           <c:showPercent val="0"/>
           <c:showBubbleSize val="0"/>
         </c:dLbls>
-        <c:axId val="113493504"/>
-        <c:axId val="113495424"/>
+        <c:axId val="113462272"/>
+        <c:axId val="113474944"/>
       </c:scatterChart>
       <c:valAx>
-        <c:axId val="113493504"/>
+        <c:axId val="113462272"/>
         <c:scaling>
           <c:orientation val="minMax"/>
         </c:scaling>
@@ -195,12 +197,12 @@
         <c:majorTickMark val="out"/>
         <c:minorTickMark val="none"/>
         <c:tickLblPos val="nextTo"/>
-        <c:crossAx val="113495424"/>
+        <c:crossAx val="113474944"/>
         <c:crosses val="autoZero"/>
         <c:crossBetween val="midCat"/>
       </c:valAx>
       <c:valAx>
-        <c:axId val="113495424"/>
+        <c:axId val="113474944"/>
         <c:scaling>
           <c:orientation val="minMax"/>
         </c:scaling>
@@ -231,7 +233,7 @@
         <c:majorTickMark val="out"/>
         <c:minorTickMark val="none"/>
         <c:tickLblPos val="nextTo"/>
-        <c:crossAx val="113493504"/>
+        <c:crossAx val="113462272"/>
         <c:crosses val="autoZero"/>
         <c:crossBetween val="midCat"/>
       </c:valAx>
@@ -1908,35 +1910,35 @@
     </dgm:pt>
   </dgm:ptLst>
   <dgm:cxnLst>
-    <dgm:cxn modelId="{E23E8278-FD3A-48BB-A92C-B2F83EBB31A0}" srcId="{FCA158E5-67AB-42C5-AF4E-04F577A99530}" destId="{C58CC51C-ABDD-4B5E-83FB-B13DA748020A}" srcOrd="1" destOrd="0" parTransId="{2844D842-BCF1-43A0-A89E-196DE827C99E}" sibTransId="{3C1F6FAF-0B68-401C-9FC6-F38F577150ED}"/>
+    <dgm:cxn modelId="{13924C5B-7330-4C26-91EF-7B2B3146AAC2}" srcId="{FCA158E5-67AB-42C5-AF4E-04F577A99530}" destId="{C1752682-0212-43CD-B184-C10FC4007374}" srcOrd="0" destOrd="0" parTransId="{A99EB07F-C191-487B-994E-F9750FDA3AAF}" sibTransId="{5DA4491C-62C8-4A2B-B966-BB2506579E62}"/>
+    <dgm:cxn modelId="{3067F096-92B8-496A-A170-39362826A9DF}" srcId="{FBB21DB4-A24F-450D-AB13-1914640D3A4C}" destId="{936FDC59-993D-4F66-ABC4-13EEBC797FD8}" srcOrd="2" destOrd="0" parTransId="{6A9A8A1D-23B1-4D56-ADAD-27DD2190E8AA}" sibTransId="{966022CC-729E-47B9-8FC6-5FF7FF362414}"/>
+    <dgm:cxn modelId="{2B2DF076-019A-4F30-8EFC-BF3E2BB21AD6}" type="presOf" srcId="{FCA158E5-67AB-42C5-AF4E-04F577A99530}" destId="{7C36E1F6-E259-4638-85BA-777511793B83}" srcOrd="0" destOrd="0" presId="urn:microsoft.com/office/officeart/2005/8/layout/chevron2"/>
+    <dgm:cxn modelId="{55CFE247-4B91-4B12-A944-46F3BE036A41}" type="presOf" srcId="{C1752682-0212-43CD-B184-C10FC4007374}" destId="{63FFC5D2-919A-4ECE-85E9-2139C870E2E1}" srcOrd="0" destOrd="0" presId="urn:microsoft.com/office/officeart/2005/8/layout/chevron2"/>
+    <dgm:cxn modelId="{5B22EE99-DFEC-42FA-B31B-6D80E0BDA60F}" type="presOf" srcId="{983C438C-179F-4319-A22E-282D4C171B04}" destId="{A362A094-3A10-4639-8A22-544AA6F9C2F8}" srcOrd="0" destOrd="0" presId="urn:microsoft.com/office/officeart/2005/8/layout/chevron2"/>
+    <dgm:cxn modelId="{1F61800A-06A4-4828-B1DF-C6316D4C12CB}" srcId="{FBB21DB4-A24F-450D-AB13-1914640D3A4C}" destId="{F00EA4F0-1537-4AD2-B65C-F1EC77C86499}" srcOrd="1" destOrd="0" parTransId="{4EDC3BD2-04F0-4086-A0AC-49396FA01FD3}" sibTransId="{9464F0C8-6F0B-4CED-92A7-F29A3363EC3D}"/>
+    <dgm:cxn modelId="{B3EDB3FB-535B-4531-8C64-9212B130BFBC}" srcId="{C58CC51C-ABDD-4B5E-83FB-B13DA748020A}" destId="{983C438C-179F-4319-A22E-282D4C171B04}" srcOrd="0" destOrd="0" parTransId="{782BFCEB-99D2-42E5-9246-CA10A991982C}" sibTransId="{27167479-4B16-47FB-A23C-A281814A8BAD}"/>
+    <dgm:cxn modelId="{A4317985-3F67-4845-A90A-72D7F7DE94B2}" type="presOf" srcId="{C58CC51C-ABDD-4B5E-83FB-B13DA748020A}" destId="{3280C8D9-22D7-45C7-A13D-6992EFE8C8C7}" srcOrd="0" destOrd="0" presId="urn:microsoft.com/office/officeart/2005/8/layout/chevron2"/>
+    <dgm:cxn modelId="{8A1A8304-D337-4243-AA18-63748F097BAF}" srcId="{FCA158E5-67AB-42C5-AF4E-04F577A99530}" destId="{56038269-DC3A-4E5A-825B-B995ABB9BE49}" srcOrd="4" destOrd="0" parTransId="{3A944B00-59B0-4591-9434-1EFF2E9C6E59}" sibTransId="{E73D9D7B-FEFD-4402-97C3-69B34BC3C7A9}"/>
     <dgm:cxn modelId="{55D59951-C144-4AAE-BF7B-EB695E542197}" srcId="{59CA1B23-8316-459F-A899-FEA4525F671C}" destId="{4166AE23-9171-49A5-AD38-6334ABF73E1C}" srcOrd="0" destOrd="0" parTransId="{8A0530B3-C40A-40BA-B2E5-B28CBD4CFCC3}" sibTransId="{EE69D6D1-AABC-447A-BAD6-8DE143C3380B}"/>
-    <dgm:cxn modelId="{55CFE247-4B91-4B12-A944-46F3BE036A41}" type="presOf" srcId="{C1752682-0212-43CD-B184-C10FC4007374}" destId="{63FFC5D2-919A-4ECE-85E9-2139C870E2E1}" srcOrd="0" destOrd="0" presId="urn:microsoft.com/office/officeart/2005/8/layout/chevron2"/>
-    <dgm:cxn modelId="{13924C5B-7330-4C26-91EF-7B2B3146AAC2}" srcId="{FCA158E5-67AB-42C5-AF4E-04F577A99530}" destId="{C1752682-0212-43CD-B184-C10FC4007374}" srcOrd="0" destOrd="0" parTransId="{A99EB07F-C191-487B-994E-F9750FDA3AAF}" sibTransId="{5DA4491C-62C8-4A2B-B966-BB2506579E62}"/>
-    <dgm:cxn modelId="{A63E842E-D385-4363-81A0-23D96E168122}" srcId="{FCA158E5-67AB-42C5-AF4E-04F577A99530}" destId="{FBB21DB4-A24F-450D-AB13-1914640D3A4C}" srcOrd="3" destOrd="0" parTransId="{FF12F001-7A71-4F21-B0D1-2EF8D39C2B08}" sibTransId="{5E811D05-B6EF-40FF-B44A-C1165BF9B8B6}"/>
-    <dgm:cxn modelId="{2B2DF076-019A-4F30-8EFC-BF3E2BB21AD6}" type="presOf" srcId="{FCA158E5-67AB-42C5-AF4E-04F577A99530}" destId="{7C36E1F6-E259-4638-85BA-777511793B83}" srcOrd="0" destOrd="0" presId="urn:microsoft.com/office/officeart/2005/8/layout/chevron2"/>
+    <dgm:cxn modelId="{3B74C920-AD31-4634-9E9A-277CCD9DD9EC}" type="presOf" srcId="{936FDC59-993D-4F66-ABC4-13EEBC797FD8}" destId="{34086EC1-69B3-46B4-AEEB-578AC6C2AEC9}" srcOrd="0" destOrd="2" presId="urn:microsoft.com/office/officeart/2005/8/layout/chevron2"/>
+    <dgm:cxn modelId="{9B05F785-D677-4F84-AF1F-636A8FE3E9D5}" srcId="{59CA1B23-8316-459F-A899-FEA4525F671C}" destId="{21C3CB32-1D43-4EA8-BEF4-75242ADE6493}" srcOrd="1" destOrd="0" parTransId="{EBBF799A-ADF7-466C-A8D5-32250CB23EF8}" sibTransId="{AD58FC58-A0A6-40C3-9CDE-A7F06B6F932B}"/>
+    <dgm:cxn modelId="{95A1C0FE-E4A7-4234-80E6-D1CCBC39E191}" type="presOf" srcId="{36DFB9FF-4259-4E52-B9DD-5A1FB3D457E7}" destId="{34086EC1-69B3-46B4-AEEB-578AC6C2AEC9}" srcOrd="0" destOrd="0" presId="urn:microsoft.com/office/officeart/2005/8/layout/chevron2"/>
+    <dgm:cxn modelId="{4F93F5A7-9414-45D6-9C09-80D2A06FBF16}" srcId="{56038269-DC3A-4E5A-825B-B995ABB9BE49}" destId="{D113D784-DD32-4618-B083-E8250D4F1949}" srcOrd="0" destOrd="0" parTransId="{0BC45344-92C9-47EB-875F-C0A16C433746}" sibTransId="{5594D847-904F-4062-B9E3-57545D697EAB}"/>
     <dgm:cxn modelId="{AD47C6E6-27FB-4957-9C9B-80AFD909F48D}" srcId="{FBB21DB4-A24F-450D-AB13-1914640D3A4C}" destId="{36DFB9FF-4259-4E52-B9DD-5A1FB3D457E7}" srcOrd="0" destOrd="0" parTransId="{86C4E4B8-2937-4507-A55C-390FDBF6526F}" sibTransId="{5984CA26-FA90-49BB-83ED-92FDD1A7F13C}"/>
     <dgm:cxn modelId="{14FFB155-8663-4638-9A35-A1C55801AD7F}" type="presOf" srcId="{56038269-DC3A-4E5A-825B-B995ABB9BE49}" destId="{7F283225-0B12-49B4-9ACF-DD8D407D338B}" srcOrd="0" destOrd="0" presId="urn:microsoft.com/office/officeart/2005/8/layout/chevron2"/>
+    <dgm:cxn modelId="{16622CC4-9762-4FE9-8BCA-A29F8B6BF4D4}" srcId="{FCA158E5-67AB-42C5-AF4E-04F577A99530}" destId="{59CA1B23-8316-459F-A899-FEA4525F671C}" srcOrd="2" destOrd="0" parTransId="{A66B7C46-6C5D-4479-8D9C-9DF9266AD767}" sibTransId="{E8EEE1F7-8EC8-490D-8326-04C07152164A}"/>
     <dgm:cxn modelId="{82D4E2B4-F4D7-4CFD-8FF9-E59BE3448258}" srcId="{C1752682-0212-43CD-B184-C10FC4007374}" destId="{6EC49FB8-FDB8-480E-ADE8-05C06ADC4AEF}" srcOrd="0" destOrd="0" parTransId="{8B8702C8-202B-4314-9EB2-6A7195CAF4DD}" sibTransId="{874D5BA8-0BCD-442D-9F52-35352E198C21}"/>
-    <dgm:cxn modelId="{3B74C920-AD31-4634-9E9A-277CCD9DD9EC}" type="presOf" srcId="{936FDC59-993D-4F66-ABC4-13EEBC797FD8}" destId="{34086EC1-69B3-46B4-AEEB-578AC6C2AEC9}" srcOrd="0" destOrd="2" presId="urn:microsoft.com/office/officeart/2005/8/layout/chevron2"/>
-    <dgm:cxn modelId="{56A3314F-64C9-44A2-86CD-F49697D0B52E}" type="presOf" srcId="{21C3CB32-1D43-4EA8-BEF4-75242ADE6493}" destId="{26293CC6-EF15-40C7-B99B-8325C1E0FC47}" srcOrd="0" destOrd="1" presId="urn:microsoft.com/office/officeart/2005/8/layout/chevron2"/>
-    <dgm:cxn modelId="{0F0323E8-13BF-4087-BEAB-5534E3442F5C}" type="presOf" srcId="{80C6BE2B-6A13-46DC-AC25-16F918C19D69}" destId="{2B996667-9E69-4B09-B841-E79631FF10A4}" srcOrd="0" destOrd="1" presId="urn:microsoft.com/office/officeart/2005/8/layout/chevron2"/>
-    <dgm:cxn modelId="{5B22EE99-DFEC-42FA-B31B-6D80E0BDA60F}" type="presOf" srcId="{983C438C-179F-4319-A22E-282D4C171B04}" destId="{A362A094-3A10-4639-8A22-544AA6F9C2F8}" srcOrd="0" destOrd="0" presId="urn:microsoft.com/office/officeart/2005/8/layout/chevron2"/>
-    <dgm:cxn modelId="{59420F9E-BFA8-48AA-96BD-0E1E4386BA41}" type="presOf" srcId="{4166AE23-9171-49A5-AD38-6334ABF73E1C}" destId="{26293CC6-EF15-40C7-B99B-8325C1E0FC47}" srcOrd="0" destOrd="0" presId="urn:microsoft.com/office/officeart/2005/8/layout/chevron2"/>
-    <dgm:cxn modelId="{9B05F785-D677-4F84-AF1F-636A8FE3E9D5}" srcId="{59CA1B23-8316-459F-A899-FEA4525F671C}" destId="{21C3CB32-1D43-4EA8-BEF4-75242ADE6493}" srcOrd="1" destOrd="0" parTransId="{EBBF799A-ADF7-466C-A8D5-32250CB23EF8}" sibTransId="{AD58FC58-A0A6-40C3-9CDE-A7F06B6F932B}"/>
     <dgm:cxn modelId="{4C6325D1-7FCF-4442-A99A-7E1501364E20}" type="presOf" srcId="{F00EA4F0-1537-4AD2-B65C-F1EC77C86499}" destId="{34086EC1-69B3-46B4-AEEB-578AC6C2AEC9}" srcOrd="0" destOrd="1" presId="urn:microsoft.com/office/officeart/2005/8/layout/chevron2"/>
+    <dgm:cxn modelId="{93249EA6-8E52-44DF-89BB-E51A951E5316}" srcId="{56038269-DC3A-4E5A-825B-B995ABB9BE49}" destId="{80C6BE2B-6A13-46DC-AC25-16F918C19D69}" srcOrd="1" destOrd="0" parTransId="{2482AF7E-924B-4C2D-8213-F6D98C29EB20}" sibTransId="{1FD9A2AC-6425-443B-BCE2-498F6181C9A7}"/>
     <dgm:cxn modelId="{5CA0B508-1DFE-45F4-818E-55321860CB9A}" type="presOf" srcId="{6EC49FB8-FDB8-480E-ADE8-05C06ADC4AEF}" destId="{613CE5EC-C992-428C-9F93-D6C8DAAF1F8C}" srcOrd="0" destOrd="0" presId="urn:microsoft.com/office/officeart/2005/8/layout/chevron2"/>
-    <dgm:cxn modelId="{B3EDB3FB-535B-4531-8C64-9212B130BFBC}" srcId="{C58CC51C-ABDD-4B5E-83FB-B13DA748020A}" destId="{983C438C-179F-4319-A22E-282D4C171B04}" srcOrd="0" destOrd="0" parTransId="{782BFCEB-99D2-42E5-9246-CA10A991982C}" sibTransId="{27167479-4B16-47FB-A23C-A281814A8BAD}"/>
+    <dgm:cxn modelId="{E23E8278-FD3A-48BB-A92C-B2F83EBB31A0}" srcId="{FCA158E5-67AB-42C5-AF4E-04F577A99530}" destId="{C58CC51C-ABDD-4B5E-83FB-B13DA748020A}" srcOrd="1" destOrd="0" parTransId="{2844D842-BCF1-43A0-A89E-196DE827C99E}" sibTransId="{3C1F6FAF-0B68-401C-9FC6-F38F577150ED}"/>
     <dgm:cxn modelId="{03060928-2DB8-4436-9D88-78C03941D155}" type="presOf" srcId="{D113D784-DD32-4618-B083-E8250D4F1949}" destId="{2B996667-9E69-4B09-B841-E79631FF10A4}" srcOrd="0" destOrd="0" presId="urn:microsoft.com/office/officeart/2005/8/layout/chevron2"/>
-    <dgm:cxn modelId="{93249EA6-8E52-44DF-89BB-E51A951E5316}" srcId="{56038269-DC3A-4E5A-825B-B995ABB9BE49}" destId="{80C6BE2B-6A13-46DC-AC25-16F918C19D69}" srcOrd="1" destOrd="0" parTransId="{2482AF7E-924B-4C2D-8213-F6D98C29EB20}" sibTransId="{1FD9A2AC-6425-443B-BCE2-498F6181C9A7}"/>
-    <dgm:cxn modelId="{A4317985-3F67-4845-A90A-72D7F7DE94B2}" type="presOf" srcId="{C58CC51C-ABDD-4B5E-83FB-B13DA748020A}" destId="{3280C8D9-22D7-45C7-A13D-6992EFE8C8C7}" srcOrd="0" destOrd="0" presId="urn:microsoft.com/office/officeart/2005/8/layout/chevron2"/>
-    <dgm:cxn modelId="{1F61800A-06A4-4828-B1DF-C6316D4C12CB}" srcId="{FBB21DB4-A24F-450D-AB13-1914640D3A4C}" destId="{F00EA4F0-1537-4AD2-B65C-F1EC77C86499}" srcOrd="1" destOrd="0" parTransId="{4EDC3BD2-04F0-4086-A0AC-49396FA01FD3}" sibTransId="{9464F0C8-6F0B-4CED-92A7-F29A3363EC3D}"/>
-    <dgm:cxn modelId="{95A1C0FE-E4A7-4234-80E6-D1CCBC39E191}" type="presOf" srcId="{36DFB9FF-4259-4E52-B9DD-5A1FB3D457E7}" destId="{34086EC1-69B3-46B4-AEEB-578AC6C2AEC9}" srcOrd="0" destOrd="0" presId="urn:microsoft.com/office/officeart/2005/8/layout/chevron2"/>
-    <dgm:cxn modelId="{4F93F5A7-9414-45D6-9C09-80D2A06FBF16}" srcId="{56038269-DC3A-4E5A-825B-B995ABB9BE49}" destId="{D113D784-DD32-4618-B083-E8250D4F1949}" srcOrd="0" destOrd="0" parTransId="{0BC45344-92C9-47EB-875F-C0A16C433746}" sibTransId="{5594D847-904F-4062-B9E3-57545D697EAB}"/>
-    <dgm:cxn modelId="{3067F096-92B8-496A-A170-39362826A9DF}" srcId="{FBB21DB4-A24F-450D-AB13-1914640D3A4C}" destId="{936FDC59-993D-4F66-ABC4-13EEBC797FD8}" srcOrd="2" destOrd="0" parTransId="{6A9A8A1D-23B1-4D56-ADAD-27DD2190E8AA}" sibTransId="{966022CC-729E-47B9-8FC6-5FF7FF362414}"/>
-    <dgm:cxn modelId="{8A1A8304-D337-4243-AA18-63748F097BAF}" srcId="{FCA158E5-67AB-42C5-AF4E-04F577A99530}" destId="{56038269-DC3A-4E5A-825B-B995ABB9BE49}" srcOrd="4" destOrd="0" parTransId="{3A944B00-59B0-4591-9434-1EFF2E9C6E59}" sibTransId="{E73D9D7B-FEFD-4402-97C3-69B34BC3C7A9}"/>
     <dgm:cxn modelId="{E20DCD66-F4F1-4E55-B6DA-DD6145B578AD}" type="presOf" srcId="{FBB21DB4-A24F-450D-AB13-1914640D3A4C}" destId="{1858CEDC-DEC5-4F2B-B294-0EA9D1DC45BF}" srcOrd="0" destOrd="0" presId="urn:microsoft.com/office/officeart/2005/8/layout/chevron2"/>
     <dgm:cxn modelId="{A7ED230B-9DE3-4DAD-9CD8-D27D89BAEA01}" type="presOf" srcId="{59CA1B23-8316-459F-A899-FEA4525F671C}" destId="{4A2BE4AD-D045-446F-80D7-7D65771368BB}" srcOrd="0" destOrd="0" presId="urn:microsoft.com/office/officeart/2005/8/layout/chevron2"/>
-    <dgm:cxn modelId="{16622CC4-9762-4FE9-8BCA-A29F8B6BF4D4}" srcId="{FCA158E5-67AB-42C5-AF4E-04F577A99530}" destId="{59CA1B23-8316-459F-A899-FEA4525F671C}" srcOrd="2" destOrd="0" parTransId="{A66B7C46-6C5D-4479-8D9C-9DF9266AD767}" sibTransId="{E8EEE1F7-8EC8-490D-8326-04C07152164A}"/>
+    <dgm:cxn modelId="{59420F9E-BFA8-48AA-96BD-0E1E4386BA41}" type="presOf" srcId="{4166AE23-9171-49A5-AD38-6334ABF73E1C}" destId="{26293CC6-EF15-40C7-B99B-8325C1E0FC47}" srcOrd="0" destOrd="0" presId="urn:microsoft.com/office/officeart/2005/8/layout/chevron2"/>
+    <dgm:cxn modelId="{A63E842E-D385-4363-81A0-23D96E168122}" srcId="{FCA158E5-67AB-42C5-AF4E-04F577A99530}" destId="{FBB21DB4-A24F-450D-AB13-1914640D3A4C}" srcOrd="3" destOrd="0" parTransId="{FF12F001-7A71-4F21-B0D1-2EF8D39C2B08}" sibTransId="{5E811D05-B6EF-40FF-B44A-C1165BF9B8B6}"/>
+    <dgm:cxn modelId="{0F0323E8-13BF-4087-BEAB-5534E3442F5C}" type="presOf" srcId="{80C6BE2B-6A13-46DC-AC25-16F918C19D69}" destId="{2B996667-9E69-4B09-B841-E79631FF10A4}" srcOrd="0" destOrd="1" presId="urn:microsoft.com/office/officeart/2005/8/layout/chevron2"/>
+    <dgm:cxn modelId="{56A3314F-64C9-44A2-86CD-F49697D0B52E}" type="presOf" srcId="{21C3CB32-1D43-4EA8-BEF4-75242ADE6493}" destId="{26293CC6-EF15-40C7-B99B-8325C1E0FC47}" srcOrd="0" destOrd="1" presId="urn:microsoft.com/office/officeart/2005/8/layout/chevron2"/>
     <dgm:cxn modelId="{E9A32689-0703-4C29-B58A-2D8CE80B1102}" type="presParOf" srcId="{7C36E1F6-E259-4638-85BA-777511793B83}" destId="{02A06749-B7BE-49D0-9D55-9C74EAA3AA36}" srcOrd="0" destOrd="0" presId="urn:microsoft.com/office/officeart/2005/8/layout/chevron2"/>
     <dgm:cxn modelId="{57F79A59-44BB-4446-BC3F-73A5F32826DB}" type="presParOf" srcId="{02A06749-B7BE-49D0-9D55-9C74EAA3AA36}" destId="{63FFC5D2-919A-4ECE-85E9-2139C870E2E1}" srcOrd="0" destOrd="0" presId="urn:microsoft.com/office/officeart/2005/8/layout/chevron2"/>
     <dgm:cxn modelId="{DE3B8869-4617-4686-8BDD-933F62857018}" type="presParOf" srcId="{02A06749-B7BE-49D0-9D55-9C74EAA3AA36}" destId="{613CE5EC-C992-428C-9F93-D6C8DAAF1F8C}" srcOrd="1" destOrd="0" presId="urn:microsoft.com/office/officeart/2005/8/layout/chevron2"/>
@@ -4151,6 +4153,440 @@
     </cdr:pic>
   </cdr:relSizeAnchor>
 </c:userShapes>
+</file>
+
+<file path=ppt/notesMasters/notesMaster1.xml><?xml version="1.0" encoding="utf-8"?>
+<p:notesMaster xmlns:a="http://schemas.openxmlformats.org/drawingml/2006/main" xmlns:r="http://schemas.openxmlformats.org/officeDocument/2006/relationships" xmlns:p="http://schemas.openxmlformats.org/presentationml/2006/main">
+  <p:cSld>
+    <p:bg>
+      <p:bgRef idx="1001">
+        <a:schemeClr val="bg1"/>
+      </p:bgRef>
+    </p:bg>
+    <p:spTree>
+      <p:nvGrpSpPr>
+        <p:cNvPr id="1" name=""/>
+        <p:cNvGrpSpPr/>
+        <p:nvPr/>
+      </p:nvGrpSpPr>
+      <p:grpSpPr>
+        <a:xfrm>
+          <a:off x="0" y="0"/>
+          <a:ext cx="0" cy="0"/>
+          <a:chOff x="0" y="0"/>
+          <a:chExt cx="0" cy="0"/>
+        </a:xfrm>
+      </p:grpSpPr>
+      <p:sp>
+        <p:nvSpPr>
+          <p:cNvPr id="2" name="Header Placeholder 1"/>
+          <p:cNvSpPr>
+            <a:spLocks noGrp="1"/>
+          </p:cNvSpPr>
+          <p:nvPr>
+            <p:ph type="hdr" sz="quarter"/>
+          </p:nvPr>
+        </p:nvSpPr>
+        <p:spPr>
+          <a:xfrm>
+            <a:off x="0" y="0"/>
+            <a:ext cx="2971800" cy="457200"/>
+          </a:xfrm>
+          <a:prstGeom prst="rect">
+            <a:avLst/>
+          </a:prstGeom>
+        </p:spPr>
+        <p:txBody>
+          <a:bodyPr vert="horz" lIns="91440" tIns="45720" rIns="91440" bIns="45720" rtlCol="0"/>
+          <a:lstStyle>
+            <a:lvl1pPr algn="l">
+              <a:defRPr sz="1200"/>
+            </a:lvl1pPr>
+          </a:lstStyle>
+          <a:p>
+            <a:endParaRPr lang="en-GB"/>
+          </a:p>
+        </p:txBody>
+      </p:sp>
+      <p:sp>
+        <p:nvSpPr>
+          <p:cNvPr id="3" name="Date Placeholder 2"/>
+          <p:cNvSpPr>
+            <a:spLocks noGrp="1"/>
+          </p:cNvSpPr>
+          <p:nvPr>
+            <p:ph type="dt" idx="1"/>
+          </p:nvPr>
+        </p:nvSpPr>
+        <p:spPr>
+          <a:xfrm>
+            <a:off x="3884613" y="0"/>
+            <a:ext cx="2971800" cy="457200"/>
+          </a:xfrm>
+          <a:prstGeom prst="rect">
+            <a:avLst/>
+          </a:prstGeom>
+        </p:spPr>
+        <p:txBody>
+          <a:bodyPr vert="horz" lIns="91440" tIns="45720" rIns="91440" bIns="45720" rtlCol="0"/>
+          <a:lstStyle>
+            <a:lvl1pPr algn="r">
+              <a:defRPr sz="1200"/>
+            </a:lvl1pPr>
+          </a:lstStyle>
+          <a:p>
+            <a:fld id="{91E4AF74-3732-4D6E-9F39-F74774786B20}" type="datetimeFigureOut">
+              <a:rPr lang="en-GB" smtClean="0"/>
+              <a:t>07/12/2018</a:t>
+            </a:fld>
+            <a:endParaRPr lang="en-GB"/>
+          </a:p>
+        </p:txBody>
+      </p:sp>
+      <p:sp>
+        <p:nvSpPr>
+          <p:cNvPr id="4" name="Slide Image Placeholder 3"/>
+          <p:cNvSpPr>
+            <a:spLocks noGrp="1" noRot="1" noChangeAspect="1"/>
+          </p:cNvSpPr>
+          <p:nvPr>
+            <p:ph type="sldImg" idx="2"/>
+          </p:nvPr>
+        </p:nvSpPr>
+        <p:spPr>
+          <a:xfrm>
+            <a:off x="1143000" y="685800"/>
+            <a:ext cx="4572000" cy="3429000"/>
+          </a:xfrm>
+          <a:prstGeom prst="rect">
+            <a:avLst/>
+          </a:prstGeom>
+          <a:noFill/>
+          <a:ln w="12700">
+            <a:solidFill>
+              <a:prstClr val="black"/>
+            </a:solidFill>
+          </a:ln>
+        </p:spPr>
+        <p:txBody>
+          <a:bodyPr vert="horz" lIns="91440" tIns="45720" rIns="91440" bIns="45720" rtlCol="0" anchor="ctr"/>
+          <a:lstStyle/>
+          <a:p>
+            <a:endParaRPr lang="en-GB"/>
+          </a:p>
+        </p:txBody>
+      </p:sp>
+      <p:sp>
+        <p:nvSpPr>
+          <p:cNvPr id="5" name="Notes Placeholder 4"/>
+          <p:cNvSpPr>
+            <a:spLocks noGrp="1"/>
+          </p:cNvSpPr>
+          <p:nvPr>
+            <p:ph type="body" sz="quarter" idx="3"/>
+          </p:nvPr>
+        </p:nvSpPr>
+        <p:spPr>
+          <a:xfrm>
+            <a:off x="685800" y="4343400"/>
+            <a:ext cx="5486400" cy="4114800"/>
+          </a:xfrm>
+          <a:prstGeom prst="rect">
+            <a:avLst/>
+          </a:prstGeom>
+        </p:spPr>
+        <p:txBody>
+          <a:bodyPr vert="horz" lIns="91440" tIns="45720" rIns="91440" bIns="45720" rtlCol="0"/>
+          <a:lstStyle/>
+          <a:p>
+            <a:pPr lvl="0"/>
+            <a:r>
+              <a:rPr lang="en-US" smtClean="0"/>
+              <a:t>Click to edit Master text styles</a:t>
+            </a:r>
+          </a:p>
+          <a:p>
+            <a:pPr lvl="1"/>
+            <a:r>
+              <a:rPr lang="en-US" smtClean="0"/>
+              <a:t>Second level</a:t>
+            </a:r>
+          </a:p>
+          <a:p>
+            <a:pPr lvl="2"/>
+            <a:r>
+              <a:rPr lang="en-US" smtClean="0"/>
+              <a:t>Third level</a:t>
+            </a:r>
+          </a:p>
+          <a:p>
+            <a:pPr lvl="3"/>
+            <a:r>
+              <a:rPr lang="en-US" smtClean="0"/>
+              <a:t>Fourth level</a:t>
+            </a:r>
+          </a:p>
+          <a:p>
+            <a:pPr lvl="4"/>
+            <a:r>
+              <a:rPr lang="en-US" smtClean="0"/>
+              <a:t>Fifth level</a:t>
+            </a:r>
+            <a:endParaRPr lang="en-GB"/>
+          </a:p>
+        </p:txBody>
+      </p:sp>
+      <p:sp>
+        <p:nvSpPr>
+          <p:cNvPr id="6" name="Footer Placeholder 5"/>
+          <p:cNvSpPr>
+            <a:spLocks noGrp="1"/>
+          </p:cNvSpPr>
+          <p:nvPr>
+            <p:ph type="ftr" sz="quarter" idx="4"/>
+          </p:nvPr>
+        </p:nvSpPr>
+        <p:spPr>
+          <a:xfrm>
+            <a:off x="0" y="8685213"/>
+            <a:ext cx="2971800" cy="457200"/>
+          </a:xfrm>
+          <a:prstGeom prst="rect">
+            <a:avLst/>
+          </a:prstGeom>
+        </p:spPr>
+        <p:txBody>
+          <a:bodyPr vert="horz" lIns="91440" tIns="45720" rIns="91440" bIns="45720" rtlCol="0" anchor="b"/>
+          <a:lstStyle>
+            <a:lvl1pPr algn="l">
+              <a:defRPr sz="1200"/>
+            </a:lvl1pPr>
+          </a:lstStyle>
+          <a:p>
+            <a:endParaRPr lang="en-GB"/>
+          </a:p>
+        </p:txBody>
+      </p:sp>
+      <p:sp>
+        <p:nvSpPr>
+          <p:cNvPr id="7" name="Slide Number Placeholder 6"/>
+          <p:cNvSpPr>
+            <a:spLocks noGrp="1"/>
+          </p:cNvSpPr>
+          <p:nvPr>
+            <p:ph type="sldNum" sz="quarter" idx="5"/>
+          </p:nvPr>
+        </p:nvSpPr>
+        <p:spPr>
+          <a:xfrm>
+            <a:off x="3884613" y="8685213"/>
+            <a:ext cx="2971800" cy="457200"/>
+          </a:xfrm>
+          <a:prstGeom prst="rect">
+            <a:avLst/>
+          </a:prstGeom>
+        </p:spPr>
+        <p:txBody>
+          <a:bodyPr vert="horz" lIns="91440" tIns="45720" rIns="91440" bIns="45720" rtlCol="0" anchor="b"/>
+          <a:lstStyle>
+            <a:lvl1pPr algn="r">
+              <a:defRPr sz="1200"/>
+            </a:lvl1pPr>
+          </a:lstStyle>
+          <a:p>
+            <a:fld id="{1590E687-99CB-4A6B-90F9-50929723931A}" type="slidenum">
+              <a:rPr lang="en-GB" smtClean="0"/>
+              <a:t>‹#›</a:t>
+            </a:fld>
+            <a:endParaRPr lang="en-GB"/>
+          </a:p>
+        </p:txBody>
+      </p:sp>
+    </p:spTree>
+    <p:extLst>
+      <p:ext uri="{BB962C8B-B14F-4D97-AF65-F5344CB8AC3E}">
+        <p14:creationId xmlns:p14="http://schemas.microsoft.com/office/powerpoint/2010/main" val="1419242357"/>
+      </p:ext>
+    </p:extLst>
+  </p:cSld>
+  <p:clrMap bg1="lt1" tx1="dk1" bg2="lt2" tx2="dk2" accent1="accent1" accent2="accent2" accent3="accent3" accent4="accent4" accent5="accent5" accent6="accent6" hlink="hlink" folHlink="folHlink"/>
+  <p:notesStyle>
+    <a:lvl1pPr marL="0" algn="l" defTabSz="914400" rtl="0" eaLnBrk="1" latinLnBrk="0" hangingPunct="1">
+      <a:defRPr sz="1200" kern="1200">
+        <a:solidFill>
+          <a:schemeClr val="tx1"/>
+        </a:solidFill>
+        <a:latin typeface="+mn-lt"/>
+        <a:ea typeface="+mn-ea"/>
+        <a:cs typeface="+mn-cs"/>
+      </a:defRPr>
+    </a:lvl1pPr>
+    <a:lvl2pPr marL="457200" algn="l" defTabSz="914400" rtl="0" eaLnBrk="1" latinLnBrk="0" hangingPunct="1">
+      <a:defRPr sz="1200" kern="1200">
+        <a:solidFill>
+          <a:schemeClr val="tx1"/>
+        </a:solidFill>
+        <a:latin typeface="+mn-lt"/>
+        <a:ea typeface="+mn-ea"/>
+        <a:cs typeface="+mn-cs"/>
+      </a:defRPr>
+    </a:lvl2pPr>
+    <a:lvl3pPr marL="914400" algn="l" defTabSz="914400" rtl="0" eaLnBrk="1" latinLnBrk="0" hangingPunct="1">
+      <a:defRPr sz="1200" kern="1200">
+        <a:solidFill>
+          <a:schemeClr val="tx1"/>
+        </a:solidFill>
+        <a:latin typeface="+mn-lt"/>
+        <a:ea typeface="+mn-ea"/>
+        <a:cs typeface="+mn-cs"/>
+      </a:defRPr>
+    </a:lvl3pPr>
+    <a:lvl4pPr marL="1371600" algn="l" defTabSz="914400" rtl="0" eaLnBrk="1" latinLnBrk="0" hangingPunct="1">
+      <a:defRPr sz="1200" kern="1200">
+        <a:solidFill>
+          <a:schemeClr val="tx1"/>
+        </a:solidFill>
+        <a:latin typeface="+mn-lt"/>
+        <a:ea typeface="+mn-ea"/>
+        <a:cs typeface="+mn-cs"/>
+      </a:defRPr>
+    </a:lvl4pPr>
+    <a:lvl5pPr marL="1828800" algn="l" defTabSz="914400" rtl="0" eaLnBrk="1" latinLnBrk="0" hangingPunct="1">
+      <a:defRPr sz="1200" kern="1200">
+        <a:solidFill>
+          <a:schemeClr val="tx1"/>
+        </a:solidFill>
+        <a:latin typeface="+mn-lt"/>
+        <a:ea typeface="+mn-ea"/>
+        <a:cs typeface="+mn-cs"/>
+      </a:defRPr>
+    </a:lvl5pPr>
+    <a:lvl6pPr marL="2286000" algn="l" defTabSz="914400" rtl="0" eaLnBrk="1" latinLnBrk="0" hangingPunct="1">
+      <a:defRPr sz="1200" kern="1200">
+        <a:solidFill>
+          <a:schemeClr val="tx1"/>
+        </a:solidFill>
+        <a:latin typeface="+mn-lt"/>
+        <a:ea typeface="+mn-ea"/>
+        <a:cs typeface="+mn-cs"/>
+      </a:defRPr>
+    </a:lvl6pPr>
+    <a:lvl7pPr marL="2743200" algn="l" defTabSz="914400" rtl="0" eaLnBrk="1" latinLnBrk="0" hangingPunct="1">
+      <a:defRPr sz="1200" kern="1200">
+        <a:solidFill>
+          <a:schemeClr val="tx1"/>
+        </a:solidFill>
+        <a:latin typeface="+mn-lt"/>
+        <a:ea typeface="+mn-ea"/>
+        <a:cs typeface="+mn-cs"/>
+      </a:defRPr>
+    </a:lvl7pPr>
+    <a:lvl8pPr marL="3200400" algn="l" defTabSz="914400" rtl="0" eaLnBrk="1" latinLnBrk="0" hangingPunct="1">
+      <a:defRPr sz="1200" kern="1200">
+        <a:solidFill>
+          <a:schemeClr val="tx1"/>
+        </a:solidFill>
+        <a:latin typeface="+mn-lt"/>
+        <a:ea typeface="+mn-ea"/>
+        <a:cs typeface="+mn-cs"/>
+      </a:defRPr>
+    </a:lvl8pPr>
+    <a:lvl9pPr marL="3657600" algn="l" defTabSz="914400" rtl="0" eaLnBrk="1" latinLnBrk="0" hangingPunct="1">
+      <a:defRPr sz="1200" kern="1200">
+        <a:solidFill>
+          <a:schemeClr val="tx1"/>
+        </a:solidFill>
+        <a:latin typeface="+mn-lt"/>
+        <a:ea typeface="+mn-ea"/>
+        <a:cs typeface="+mn-cs"/>
+      </a:defRPr>
+    </a:lvl9pPr>
+  </p:notesStyle>
+</p:notesMaster>
+</file>
+
+<file path=ppt/notesSlides/notesSlide1.xml><?xml version="1.0" encoding="utf-8"?>
+<p:notes xmlns:a="http://schemas.openxmlformats.org/drawingml/2006/main" xmlns:r="http://schemas.openxmlformats.org/officeDocument/2006/relationships" xmlns:p="http://schemas.openxmlformats.org/presentationml/2006/main">
+  <p:cSld>
+    <p:spTree>
+      <p:nvGrpSpPr>
+        <p:cNvPr id="1" name=""/>
+        <p:cNvGrpSpPr/>
+        <p:nvPr/>
+      </p:nvGrpSpPr>
+      <p:grpSpPr>
+        <a:xfrm>
+          <a:off x="0" y="0"/>
+          <a:ext cx="0" cy="0"/>
+          <a:chOff x="0" y="0"/>
+          <a:chExt cx="0" cy="0"/>
+        </a:xfrm>
+      </p:grpSpPr>
+      <p:sp>
+        <p:nvSpPr>
+          <p:cNvPr id="2" name="Slide Image Placeholder 1"/>
+          <p:cNvSpPr>
+            <a:spLocks noGrp="1" noRot="1" noChangeAspect="1"/>
+          </p:cNvSpPr>
+          <p:nvPr>
+            <p:ph type="sldImg"/>
+          </p:nvPr>
+        </p:nvSpPr>
+        <p:spPr/>
+      </p:sp>
+      <p:sp>
+        <p:nvSpPr>
+          <p:cNvPr id="3" name="Notes Placeholder 2"/>
+          <p:cNvSpPr>
+            <a:spLocks noGrp="1"/>
+          </p:cNvSpPr>
+          <p:nvPr>
+            <p:ph type="body" idx="1"/>
+          </p:nvPr>
+        </p:nvSpPr>
+        <p:spPr/>
+        <p:txBody>
+          <a:bodyPr/>
+          <a:lstStyle/>
+          <a:p>
+            <a:endParaRPr lang="en-GB" dirty="0"/>
+          </a:p>
+        </p:txBody>
+      </p:sp>
+      <p:sp>
+        <p:nvSpPr>
+          <p:cNvPr id="4" name="Slide Number Placeholder 3"/>
+          <p:cNvSpPr>
+            <a:spLocks noGrp="1"/>
+          </p:cNvSpPr>
+          <p:nvPr>
+            <p:ph type="sldNum" sz="quarter" idx="10"/>
+          </p:nvPr>
+        </p:nvSpPr>
+        <p:spPr/>
+        <p:txBody>
+          <a:bodyPr/>
+          <a:lstStyle/>
+          <a:p>
+            <a:fld id="{1590E687-99CB-4A6B-90F9-50929723931A}" type="slidenum">
+              <a:rPr lang="en-GB" smtClean="0"/>
+              <a:t>15</a:t>
+            </a:fld>
+            <a:endParaRPr lang="en-GB"/>
+          </a:p>
+        </p:txBody>
+      </p:sp>
+    </p:spTree>
+    <p:extLst>
+      <p:ext uri="{BB962C8B-B14F-4D97-AF65-F5344CB8AC3E}">
+        <p14:creationId xmlns:p14="http://schemas.microsoft.com/office/powerpoint/2010/main" val="1768309404"/>
+      </p:ext>
+    </p:extLst>
+  </p:cSld>
+  <p:clrMapOvr>
+    <a:masterClrMapping/>
+  </p:clrMapOvr>
+</p:notes>
 </file>
 
 <file path=ppt/slideLayouts/slideLayout1.xml><?xml version="1.0" encoding="utf-8"?>
@@ -7594,6 +8030,10 @@
           </p:nvPr>
         </p:nvSpPr>
         <p:spPr>
+          <a:xfrm>
+            <a:off x="467544" y="1196752"/>
+            <a:ext cx="7620000" cy="4247317"/>
+          </a:xfrm>
           <a:prstGeom prst="rect">
             <a:avLst/>
           </a:prstGeom>
@@ -7606,8 +8046,73 @@
           <a:p>
             <a:r>
               <a:rPr lang="en-GB" dirty="0" smtClean="0"/>
-              <a:t>Obtained list of HPO terms related to HSP and </a:t>
+              <a:t>Obtain list of OMIM codes related to HSP.</a:t>
             </a:r>
+          </a:p>
+          <a:p>
+            <a:r>
+              <a:rPr lang="en-GB" dirty="0" smtClean="0"/>
+              <a:t>Fetch all HPO terms using OMIM codes (</a:t>
+            </a:r>
+            <a:r>
+              <a:rPr lang="en-GB" dirty="0" err="1" smtClean="0"/>
+              <a:t>phizz</a:t>
+            </a:r>
+            <a:r>
+              <a:rPr lang="en-GB" dirty="0" smtClean="0"/>
+              <a:t>)</a:t>
+            </a:r>
+          </a:p>
+          <a:p>
+            <a:r>
+              <a:rPr lang="en-GB" dirty="0" smtClean="0"/>
+              <a:t>Create a matrix of genes and HPO terms. </a:t>
+            </a:r>
+          </a:p>
+          <a:p>
+            <a:pPr lvl="1"/>
+            <a:r>
+              <a:rPr lang="en-GB" dirty="0" smtClean="0"/>
+              <a:t>Fill with 1/0 based on gene-HPO association </a:t>
+            </a:r>
+          </a:p>
+          <a:p>
+            <a:pPr marL="434975" lvl="1" indent="-342900"/>
+            <a:r>
+              <a:rPr lang="en-GB" dirty="0" smtClean="0"/>
+              <a:t>Multiply matrix by its transpose and subtract 1.</a:t>
+            </a:r>
+          </a:p>
+          <a:p>
+            <a:pPr marL="92075" lvl="1" indent="0">
+              <a:buNone/>
+            </a:pPr>
+            <a:r>
+              <a:rPr lang="en-GB" dirty="0" smtClean="0"/>
+              <a:t>This gives a symmetrical </a:t>
+            </a:r>
+            <a:r>
+              <a:rPr lang="en-GB" dirty="0" err="1" smtClean="0"/>
+              <a:t>gene:gene</a:t>
+            </a:r>
+            <a:r>
+              <a:rPr lang="en-GB" dirty="0" smtClean="0"/>
+              <a:t> matrix where each value represents the number of genes with a shared HPO term.</a:t>
+            </a:r>
+          </a:p>
+          <a:p>
+            <a:pPr marL="92075" lvl="1" indent="0">
+              <a:buNone/>
+            </a:pPr>
+            <a:endParaRPr lang="en-GB" dirty="0" smtClean="0"/>
+          </a:p>
+          <a:p>
+            <a:endParaRPr lang="en-GB" dirty="0" smtClean="0"/>
+          </a:p>
+          <a:p>
+            <a:endParaRPr lang="en-GB" dirty="0" smtClean="0"/>
+          </a:p>
+          <a:p>
             <a:endParaRPr lang="en-GB" dirty="0"/>
           </a:p>
         </p:txBody>
@@ -7665,6 +8170,114 @@
           </a:p>
         </p:txBody>
       </p:sp>
+      <p:pic>
+        <p:nvPicPr>
+          <p:cNvPr id="2051" name="Picture 3"/>
+          <p:cNvPicPr>
+            <a:picLocks noChangeAspect="1" noChangeArrowheads="1"/>
+          </p:cNvPicPr>
+          <p:nvPr/>
+        </p:nvPicPr>
+        <p:blipFill>
+          <a:blip r:embed="rId2">
+            <a:extLst>
+              <a:ext uri="{28A0092B-C50C-407E-A947-70E740481C1C}">
+                <a14:useLocalDpi xmlns:a14="http://schemas.microsoft.com/office/drawing/2010/main" val="0"/>
+              </a:ext>
+            </a:extLst>
+          </a:blip>
+          <a:srcRect/>
+          <a:stretch>
+            <a:fillRect/>
+          </a:stretch>
+        </p:blipFill>
+        <p:spPr bwMode="auto">
+          <a:xfrm>
+            <a:off x="395536" y="4244330"/>
+            <a:ext cx="4238610" cy="1197868"/>
+          </a:xfrm>
+          <a:prstGeom prst="rect">
+            <a:avLst/>
+          </a:prstGeom>
+          <a:noFill/>
+          <a:ln>
+            <a:noFill/>
+          </a:ln>
+          <a:extLst>
+            <a:ext uri="{909E8E84-426E-40DD-AFC4-6F175D3DCCD1}">
+              <a14:hiddenFill xmlns:a14="http://schemas.microsoft.com/office/drawing/2010/main">
+                <a:solidFill>
+                  <a:schemeClr val="accent1"/>
+                </a:solidFill>
+              </a14:hiddenFill>
+            </a:ext>
+            <a:ext uri="{91240B29-F687-4F45-9708-019B960494DF}">
+              <a14:hiddenLine xmlns:a14="http://schemas.microsoft.com/office/drawing/2010/main" w="9525">
+                <a:solidFill>
+                  <a:schemeClr val="tx1"/>
+                </a:solidFill>
+                <a:miter lim="800000"/>
+                <a:headEnd/>
+                <a:tailEnd/>
+              </a14:hiddenLine>
+            </a:ext>
+          </a:extLst>
+        </p:spPr>
+      </p:pic>
+      <p:pic>
+        <p:nvPicPr>
+          <p:cNvPr id="2052" name="Picture 4"/>
+          <p:cNvPicPr>
+            <a:picLocks noChangeAspect="1" noChangeArrowheads="1"/>
+          </p:cNvPicPr>
+          <p:nvPr/>
+        </p:nvPicPr>
+        <p:blipFill>
+          <a:blip r:embed="rId3">
+            <a:extLst>
+              <a:ext uri="{28A0092B-C50C-407E-A947-70E740481C1C}">
+                <a14:useLocalDpi xmlns:a14="http://schemas.microsoft.com/office/drawing/2010/main" val="0"/>
+              </a:ext>
+            </a:extLst>
+          </a:blip>
+          <a:srcRect/>
+          <a:stretch>
+            <a:fillRect/>
+          </a:stretch>
+        </p:blipFill>
+        <p:spPr bwMode="auto">
+          <a:xfrm>
+            <a:off x="4499992" y="4343944"/>
+            <a:ext cx="3896494" cy="1147020"/>
+          </a:xfrm>
+          <a:prstGeom prst="rect">
+            <a:avLst/>
+          </a:prstGeom>
+          <a:noFill/>
+          <a:ln>
+            <a:noFill/>
+          </a:ln>
+          <a:extLst>
+            <a:ext uri="{909E8E84-426E-40DD-AFC4-6F175D3DCCD1}">
+              <a14:hiddenFill xmlns:a14="http://schemas.microsoft.com/office/drawing/2010/main">
+                <a:solidFill>
+                  <a:schemeClr val="accent1"/>
+                </a:solidFill>
+              </a14:hiddenFill>
+            </a:ext>
+            <a:ext uri="{91240B29-F687-4F45-9708-019B960494DF}">
+              <a14:hiddenLine xmlns:a14="http://schemas.microsoft.com/office/drawing/2010/main" w="9525">
+                <a:solidFill>
+                  <a:schemeClr val="tx1"/>
+                </a:solidFill>
+                <a:miter lim="800000"/>
+                <a:headEnd/>
+                <a:tailEnd/>
+              </a14:hiddenLine>
+            </a:ext>
+          </a:extLst>
+        </p:spPr>
+      </p:pic>
     </p:spTree>
     <p:extLst>
       <p:ext uri="{BB962C8B-B14F-4D97-AF65-F5344CB8AC3E}">
@@ -7977,9 +8590,141 @@
           <a:chExt cx="0" cy="0"/>
         </a:xfrm>
       </p:grpSpPr>
+      <p:sp>
+        <p:nvSpPr>
+          <p:cNvPr id="2" name="Title 1"/>
+          <p:cNvSpPr>
+            <a:spLocks noGrp="1"/>
+          </p:cNvSpPr>
+          <p:nvPr>
+            <p:ph type="title"/>
+          </p:nvPr>
+        </p:nvSpPr>
+        <p:spPr/>
+        <p:txBody>
+          <a:bodyPr/>
+          <a:lstStyle/>
+          <a:p>
+            <a:r>
+              <a:rPr lang="en-GB" dirty="0" smtClean="0"/>
+              <a:t>Method </a:t>
+            </a:r>
+            <a:endParaRPr lang="en-GB" dirty="0"/>
+          </a:p>
+        </p:txBody>
+      </p:sp>
+      <p:sp>
+        <p:nvSpPr>
+          <p:cNvPr id="4" name="Content Placeholder 3"/>
+          <p:cNvSpPr>
+            <a:spLocks noGrp="1"/>
+          </p:cNvSpPr>
+          <p:nvPr>
+            <p:ph idx="1"/>
+          </p:nvPr>
+        </p:nvSpPr>
+        <p:spPr>
+          <a:xfrm>
+            <a:off x="467544" y="1196752"/>
+            <a:ext cx="7620000" cy="2357568"/>
+          </a:xfrm>
+          <a:prstGeom prst="rect">
+            <a:avLst/>
+          </a:prstGeom>
+        </p:spPr>
+        <p:txBody>
+          <a:bodyPr wrap="square">
+            <a:spAutoFit/>
+          </a:bodyPr>
+          <a:lstStyle/>
+          <a:p>
+            <a:r>
+              <a:rPr lang="en-GB" dirty="0" smtClean="0"/>
+              <a:t>Cluster the </a:t>
+            </a:r>
+            <a:r>
+              <a:rPr lang="en-GB" dirty="0" err="1" smtClean="0"/>
+              <a:t>gene:gene</a:t>
+            </a:r>
+            <a:r>
+              <a:rPr lang="en-GB" dirty="0" smtClean="0"/>
+              <a:t> matrix to identify a list of genes which each share a large number of HPO term.</a:t>
+            </a:r>
+            <a:endParaRPr lang="en-GB" dirty="0" smtClean="0"/>
+          </a:p>
+          <a:p>
+            <a:pPr marL="92075" lvl="1" indent="0">
+              <a:buNone/>
+            </a:pPr>
+            <a:endParaRPr lang="en-GB" dirty="0" smtClean="0"/>
+          </a:p>
+          <a:p>
+            <a:endParaRPr lang="en-GB" dirty="0" smtClean="0"/>
+          </a:p>
+          <a:p>
+            <a:endParaRPr lang="en-GB" dirty="0" smtClean="0"/>
+          </a:p>
+          <a:p>
+            <a:endParaRPr lang="en-GB" dirty="0"/>
+          </a:p>
+        </p:txBody>
+      </p:sp>
+      <p:sp>
+        <p:nvSpPr>
+          <p:cNvPr id="5" name="Rectangle 4"/>
+          <p:cNvSpPr/>
+          <p:nvPr/>
+        </p:nvSpPr>
+        <p:spPr>
+          <a:xfrm>
+            <a:off x="179512" y="6093296"/>
+            <a:ext cx="7056784" cy="261610"/>
+          </a:xfrm>
+          <a:prstGeom prst="rect">
+            <a:avLst/>
+          </a:prstGeom>
+        </p:spPr>
+        <p:txBody>
+          <a:bodyPr wrap="square">
+            <a:spAutoFit/>
+          </a:bodyPr>
+          <a:lstStyle/>
+          <a:p>
+            <a:r>
+              <a:rPr lang="en-GB" sz="1100" dirty="0" smtClean="0"/>
+              <a:t>Johnson</a:t>
+            </a:r>
+            <a:r>
+              <a:rPr lang="en-GB" sz="1100" dirty="0"/>
+              <a:t>, J. (</a:t>
+            </a:r>
+            <a:r>
+              <a:rPr lang="en-GB" sz="1100" dirty="0" err="1"/>
+              <a:t>n.d.</a:t>
+            </a:r>
+            <a:r>
+              <a:rPr lang="en-GB" sz="1100" dirty="0"/>
+              <a:t>). </a:t>
+            </a:r>
+            <a:r>
+              <a:rPr lang="en-GB" sz="1100" i="1" dirty="0" err="1"/>
+              <a:t>Hypernetworks</a:t>
+            </a:r>
+            <a:r>
+              <a:rPr lang="en-GB" sz="1100" i="1" dirty="0"/>
+              <a:t> in the science of complex systems</a:t>
+            </a:r>
+            <a:r>
+              <a:rPr lang="en-GB" sz="1100" dirty="0" smtClean="0"/>
+              <a:t>.</a:t>
+            </a:r>
+            <a:endParaRPr lang="en-GB" sz="1100" dirty="0"/>
+          </a:p>
+        </p:txBody>
+      </p:sp>
       <p:pic>
         <p:nvPicPr>
-          <p:cNvPr id="2050" name="Picture 2"/>
+          <p:cNvPr id="6" name="Picture 2"/>
           <p:cNvPicPr>
             <a:picLocks noChangeAspect="1" noChangeArrowheads="1"/>
           </p:cNvPicPr>
@@ -8000,8 +8745,8 @@
         </p:blipFill>
         <p:spPr bwMode="auto">
           <a:xfrm>
-            <a:off x="323528" y="188639"/>
-            <a:ext cx="6552728" cy="6294685"/>
+            <a:off x="-38473" y="2063067"/>
+            <a:ext cx="4603770" cy="4422476"/>
           </a:xfrm>
           <a:prstGeom prst="rect">
             <a:avLst/>
@@ -8031,40 +8776,64 @@
           </a:extLst>
         </p:spPr>
       </p:pic>
-      <p:sp>
-        <p:nvSpPr>
-          <p:cNvPr id="5" name="TextBox 4"/>
-          <p:cNvSpPr txBox="1"/>
+      <p:pic>
+        <p:nvPicPr>
+          <p:cNvPr id="7" name="Picture 2"/>
+          <p:cNvPicPr>
+            <a:picLocks noChangeAspect="1" noChangeArrowheads="1"/>
+          </p:cNvPicPr>
           <p:nvPr/>
-        </p:nvSpPr>
-        <p:spPr>
+        </p:nvPicPr>
+        <p:blipFill>
+          <a:blip r:embed="rId3">
+            <a:extLst>
+              <a:ext uri="{28A0092B-C50C-407E-A947-70E740481C1C}">
+                <a14:useLocalDpi xmlns:a14="http://schemas.microsoft.com/office/drawing/2010/main" val="0"/>
+              </a:ext>
+            </a:extLst>
+          </a:blip>
+          <a:srcRect/>
+          <a:stretch>
+            <a:fillRect/>
+          </a:stretch>
+        </p:blipFill>
+        <p:spPr bwMode="auto">
           <a:xfrm>
-            <a:off x="7164288" y="2996952"/>
-            <a:ext cx="1584176" cy="954107"/>
+            <a:off x="4427984" y="2544187"/>
+            <a:ext cx="3950163" cy="3549109"/>
           </a:xfrm>
           <a:prstGeom prst="rect">
             <a:avLst/>
           </a:prstGeom>
           <a:noFill/>
+          <a:ln>
+            <a:noFill/>
+          </a:ln>
+          <a:extLst>
+            <a:ext uri="{909E8E84-426E-40DD-AFC4-6F175D3DCCD1}">
+              <a14:hiddenFill xmlns:a14="http://schemas.microsoft.com/office/drawing/2010/main">
+                <a:solidFill>
+                  <a:schemeClr val="accent1"/>
+                </a:solidFill>
+              </a14:hiddenFill>
+            </a:ext>
+            <a:ext uri="{91240B29-F687-4F45-9708-019B960494DF}">
+              <a14:hiddenLine xmlns:a14="http://schemas.microsoft.com/office/drawing/2010/main" w="9525">
+                <a:solidFill>
+                  <a:schemeClr val="tx1"/>
+                </a:solidFill>
+                <a:miter lim="800000"/>
+                <a:headEnd/>
+                <a:tailEnd/>
+              </a14:hiddenLine>
+            </a:ext>
+          </a:extLst>
         </p:spPr>
-        <p:txBody>
-          <a:bodyPr wrap="square" rtlCol="0">
-            <a:spAutoFit/>
-          </a:bodyPr>
-          <a:lstStyle/>
-          <a:p>
-            <a:r>
-              <a:rPr lang="en-GB" sz="2800" dirty="0" smtClean="0"/>
-              <a:t>Matrix Heatmap </a:t>
-            </a:r>
-            <a:endParaRPr lang="en-GB" sz="2800" dirty="0"/>
-          </a:p>
-        </p:txBody>
-      </p:sp>
+      </p:pic>
     </p:spTree>
     <p:extLst>
       <p:ext uri="{BB962C8B-B14F-4D97-AF65-F5344CB8AC3E}">
-        <p14:creationId xmlns:p14="http://schemas.microsoft.com/office/powerpoint/2010/main" val="854572864"/>
+        <p14:creationId xmlns:p14="http://schemas.microsoft.com/office/powerpoint/2010/main" val="1724467412"/>
       </p:ext>
     </p:extLst>
   </p:cSld>
@@ -8108,127 +8877,6 @@
             <p:ph type="title"/>
           </p:nvPr>
         </p:nvSpPr>
-        <p:spPr>
-          <a:xfrm>
-            <a:off x="6444208" y="1052736"/>
-            <a:ext cx="2513806" cy="3528392"/>
-          </a:xfrm>
-        </p:spPr>
-        <p:txBody>
-          <a:bodyPr>
-            <a:normAutofit/>
-          </a:bodyPr>
-          <a:lstStyle/>
-          <a:p>
-            <a:r>
-              <a:rPr lang="en-GB" sz="2800" dirty="0" smtClean="0"/>
-              <a:t>Subsection </a:t>
-            </a:r>
-            <a:endParaRPr lang="en-GB" sz="2800" dirty="0"/>
-          </a:p>
-        </p:txBody>
-      </p:sp>
-      <p:pic>
-        <p:nvPicPr>
-          <p:cNvPr id="3074" name="Picture 2"/>
-          <p:cNvPicPr>
-            <a:picLocks noChangeAspect="1" noChangeArrowheads="1"/>
-          </p:cNvPicPr>
-          <p:nvPr/>
-        </p:nvPicPr>
-        <p:blipFill>
-          <a:blip r:embed="rId2">
-            <a:extLst>
-              <a:ext uri="{28A0092B-C50C-407E-A947-70E740481C1C}">
-                <a14:useLocalDpi xmlns:a14="http://schemas.microsoft.com/office/drawing/2010/main" val="0"/>
-              </a:ext>
-            </a:extLst>
-          </a:blip>
-          <a:srcRect/>
-          <a:stretch>
-            <a:fillRect/>
-          </a:stretch>
-        </p:blipFill>
-        <p:spPr bwMode="auto">
-          <a:xfrm>
-            <a:off x="467544" y="764704"/>
-            <a:ext cx="5730602" cy="5148783"/>
-          </a:xfrm>
-          <a:prstGeom prst="rect">
-            <a:avLst/>
-          </a:prstGeom>
-          <a:noFill/>
-          <a:ln>
-            <a:noFill/>
-          </a:ln>
-          <a:extLst>
-            <a:ext uri="{909E8E84-426E-40DD-AFC4-6F175D3DCCD1}">
-              <a14:hiddenFill xmlns:a14="http://schemas.microsoft.com/office/drawing/2010/main">
-                <a:solidFill>
-                  <a:schemeClr val="accent1"/>
-                </a:solidFill>
-              </a14:hiddenFill>
-            </a:ext>
-            <a:ext uri="{91240B29-F687-4F45-9708-019B960494DF}">
-              <a14:hiddenLine xmlns:a14="http://schemas.microsoft.com/office/drawing/2010/main" w="9525">
-                <a:solidFill>
-                  <a:schemeClr val="tx1"/>
-                </a:solidFill>
-                <a:miter lim="800000"/>
-                <a:headEnd/>
-                <a:tailEnd/>
-              </a14:hiddenLine>
-            </a:ext>
-          </a:extLst>
-        </p:spPr>
-      </p:pic>
-    </p:spTree>
-    <p:extLst>
-      <p:ext uri="{BB962C8B-B14F-4D97-AF65-F5344CB8AC3E}">
-        <p14:creationId xmlns:p14="http://schemas.microsoft.com/office/powerpoint/2010/main" val="3607068433"/>
-      </p:ext>
-    </p:extLst>
-  </p:cSld>
-  <p:clrMapOvr>
-    <a:masterClrMapping/>
-  </p:clrMapOvr>
-  <p:timing>
-    <p:tnLst>
-      <p:par>
-        <p:cTn id="1" dur="indefinite" restart="never" nodeType="tmRoot"/>
-      </p:par>
-    </p:tnLst>
-  </p:timing>
-</p:sld>
-</file>
-
-<file path=ppt/slides/slide16.xml><?xml version="1.0" encoding="utf-8"?>
-<p:sld xmlns:a="http://schemas.openxmlformats.org/drawingml/2006/main" xmlns:r="http://schemas.openxmlformats.org/officeDocument/2006/relationships" xmlns:p="http://schemas.openxmlformats.org/presentationml/2006/main">
-  <p:cSld>
-    <p:spTree>
-      <p:nvGrpSpPr>
-        <p:cNvPr id="1" name=""/>
-        <p:cNvGrpSpPr/>
-        <p:nvPr/>
-      </p:nvGrpSpPr>
-      <p:grpSpPr>
-        <a:xfrm>
-          <a:off x="0" y="0"/>
-          <a:ext cx="0" cy="0"/>
-          <a:chOff x="0" y="0"/>
-          <a:chExt cx="0" cy="0"/>
-        </a:xfrm>
-      </p:grpSpPr>
-      <p:sp>
-        <p:nvSpPr>
-          <p:cNvPr id="2" name="Title 1"/>
-          <p:cNvSpPr>
-            <a:spLocks noGrp="1"/>
-          </p:cNvSpPr>
-          <p:nvPr>
-            <p:ph type="title"/>
-          </p:nvPr>
-        </p:nvSpPr>
         <p:spPr/>
         <p:txBody>
           <a:bodyPr/>
@@ -8242,25 +8890,1583 @@
           </a:p>
         </p:txBody>
       </p:sp>
-      <p:sp>
-        <p:nvSpPr>
-          <p:cNvPr id="3" name="Content Placeholder 2"/>
-          <p:cNvSpPr>
-            <a:spLocks noGrp="1"/>
-          </p:cNvSpPr>
+      <p:graphicFrame>
+        <p:nvGraphicFramePr>
+          <p:cNvPr id="4" name="Content Placeholder 3"/>
+          <p:cNvGraphicFramePr>
+            <a:graphicFrameLocks noGrp="1"/>
+          </p:cNvGraphicFramePr>
           <p:nvPr>
             <p:ph idx="1"/>
+            <p:extLst>
+              <p:ext uri="{D42A27DB-BD31-4B8C-83A1-F6EECF244321}">
+                <p14:modId xmlns:p14="http://schemas.microsoft.com/office/powerpoint/2010/main" val="2194192515"/>
+              </p:ext>
+            </p:extLst>
           </p:nvPr>
-        </p:nvSpPr>
-        <p:spPr/>
-        <p:txBody>
-          <a:bodyPr/>
-          <a:lstStyle/>
-          <a:p>
-            <a:endParaRPr lang="en-GB" dirty="0"/>
-          </a:p>
-        </p:txBody>
-      </p:sp>
+        </p:nvGraphicFramePr>
+        <p:xfrm>
+          <a:off x="251520" y="1916832"/>
+          <a:ext cx="7810512" cy="2664300"/>
+        </p:xfrm>
+        <a:graphic>
+          <a:graphicData uri="http://schemas.openxmlformats.org/drawingml/2006/table">
+            <a:tbl>
+              <a:tblPr>
+                <a:tableStyleId>{BC89EF96-8CEA-46FF-86C4-4CE0E7609802}</a:tableStyleId>
+              </a:tblPr>
+              <a:tblGrid>
+                <a:gridCol w="654283"/>
+                <a:gridCol w="2112792"/>
+                <a:gridCol w="1758388"/>
+                <a:gridCol w="654283"/>
+                <a:gridCol w="1976483"/>
+                <a:gridCol w="654283"/>
+              </a:tblGrid>
+              <a:tr h="408330">
+                <a:tc>
+                  <a:txBody>
+                    <a:bodyPr/>
+                    <a:lstStyle/>
+                    <a:p>
+                      <a:pPr algn="l" fontAlgn="b"/>
+                      <a:r>
+                        <a:rPr lang="en-GB" sz="1100" b="1" u="none" strike="noStrike" dirty="0" err="1">
+                          <a:effectLst/>
+                        </a:rPr>
+                        <a:t>nodeID</a:t>
+                      </a:r>
+                      <a:endParaRPr lang="en-GB" sz="1100" b="1" i="0" u="none" strike="noStrike" dirty="0">
+                        <a:solidFill>
+                          <a:srgbClr val="000000"/>
+                        </a:solidFill>
+                        <a:effectLst/>
+                        <a:latin typeface="Calibri"/>
+                      </a:endParaRPr>
+                    </a:p>
+                  </a:txBody>
+                  <a:tcPr marL="9525" marR="9525" marT="9525" marB="0" anchor="b"/>
+                </a:tc>
+                <a:tc>
+                  <a:txBody>
+                    <a:bodyPr/>
+                    <a:lstStyle/>
+                    <a:p>
+                      <a:pPr algn="l" fontAlgn="b"/>
+                      <a:r>
+                        <a:rPr lang="en-GB" sz="1100" b="1" u="none" strike="noStrike" dirty="0" err="1">
+                          <a:effectLst/>
+                        </a:rPr>
+                        <a:t>log_bc_ratio</a:t>
+                      </a:r>
+                      <a:endParaRPr lang="en-GB" sz="1100" b="1" i="0" u="none" strike="noStrike" dirty="0">
+                        <a:solidFill>
+                          <a:srgbClr val="000000"/>
+                        </a:solidFill>
+                        <a:effectLst/>
+                        <a:latin typeface="Calibri"/>
+                      </a:endParaRPr>
+                    </a:p>
+                  </a:txBody>
+                  <a:tcPr marL="9525" marR="9525" marT="9525" marB="0" anchor="b"/>
+                </a:tc>
+                <a:tc>
+                  <a:txBody>
+                    <a:bodyPr/>
+                    <a:lstStyle/>
+                    <a:p>
+                      <a:pPr algn="l" fontAlgn="b"/>
+                      <a:r>
+                        <a:rPr lang="en-GB" sz="1100" b="1" u="none" strike="noStrike">
+                          <a:effectLst/>
+                        </a:rPr>
+                        <a:t>Module Appearance Score</a:t>
+                      </a:r>
+                      <a:endParaRPr lang="en-GB" sz="1100" b="1" i="0" u="none" strike="noStrike">
+                        <a:solidFill>
+                          <a:srgbClr val="000000"/>
+                        </a:solidFill>
+                        <a:effectLst/>
+                        <a:latin typeface="Calibri"/>
+                      </a:endParaRPr>
+                    </a:p>
+                  </a:txBody>
+                  <a:tcPr marL="9525" marR="9525" marT="9525" marB="0" anchor="b"/>
+                </a:tc>
+                <a:tc>
+                  <a:txBody>
+                    <a:bodyPr/>
+                    <a:lstStyle/>
+                    <a:p>
+                      <a:pPr algn="l" fontAlgn="b"/>
+                      <a:r>
+                        <a:rPr lang="en-GB" sz="1100" b="1" u="none" strike="noStrike">
+                          <a:effectLst/>
+                        </a:rPr>
+                        <a:t>Cluster Y/N</a:t>
+                      </a:r>
+                      <a:endParaRPr lang="en-GB" sz="1100" b="1" i="0" u="none" strike="noStrike">
+                        <a:solidFill>
+                          <a:srgbClr val="000000"/>
+                        </a:solidFill>
+                        <a:effectLst/>
+                        <a:latin typeface="Calibri"/>
+                      </a:endParaRPr>
+                    </a:p>
+                  </a:txBody>
+                  <a:tcPr marL="9525" marR="9525" marT="9525" marB="0" anchor="b"/>
+                </a:tc>
+                <a:tc>
+                  <a:txBody>
+                    <a:bodyPr/>
+                    <a:lstStyle/>
+                    <a:p>
+                      <a:pPr algn="l" fontAlgn="b"/>
+                      <a:r>
+                        <a:rPr lang="en-GB" sz="1100" b="1" u="none" strike="noStrike">
+                          <a:effectLst/>
+                        </a:rPr>
+                        <a:t>Average Shortest Path Length</a:t>
+                      </a:r>
+                      <a:endParaRPr lang="en-GB" sz="1100" b="1" i="0" u="none" strike="noStrike">
+                        <a:solidFill>
+                          <a:srgbClr val="000000"/>
+                        </a:solidFill>
+                        <a:effectLst/>
+                        <a:latin typeface="Calibri"/>
+                      </a:endParaRPr>
+                    </a:p>
+                  </a:txBody>
+                  <a:tcPr marL="9525" marR="9525" marT="9525" marB="0" anchor="b"/>
+                </a:tc>
+                <a:tc>
+                  <a:txBody>
+                    <a:bodyPr/>
+                    <a:lstStyle/>
+                    <a:p>
+                      <a:pPr algn="l" fontAlgn="b"/>
+                      <a:r>
+                        <a:rPr lang="en-GB" sz="1100" b="1" u="none" strike="noStrike" dirty="0" err="1">
+                          <a:effectLst/>
+                        </a:rPr>
+                        <a:t>overall_score</a:t>
+                      </a:r>
+                      <a:endParaRPr lang="en-GB" sz="1100" b="1" i="0" u="none" strike="noStrike" dirty="0">
+                        <a:solidFill>
+                          <a:srgbClr val="000000"/>
+                        </a:solidFill>
+                        <a:effectLst/>
+                        <a:latin typeface="Calibri"/>
+                      </a:endParaRPr>
+                    </a:p>
+                  </a:txBody>
+                  <a:tcPr marL="9525" marR="9525" marT="9525" marB="0" anchor="b"/>
+                </a:tc>
+              </a:tr>
+              <a:tr h="225597">
+                <a:tc>
+                  <a:txBody>
+                    <a:bodyPr/>
+                    <a:lstStyle/>
+                    <a:p>
+                      <a:pPr algn="l" fontAlgn="b"/>
+                      <a:r>
+                        <a:rPr lang="en-GB" sz="1100" u="none" strike="noStrike">
+                          <a:effectLst/>
+                        </a:rPr>
+                        <a:t>TFG</a:t>
+                      </a:r>
+                      <a:endParaRPr lang="en-GB" sz="1100" b="0" i="0" u="none" strike="noStrike">
+                        <a:solidFill>
+                          <a:srgbClr val="000000"/>
+                        </a:solidFill>
+                        <a:effectLst/>
+                        <a:latin typeface="Calibri"/>
+                      </a:endParaRPr>
+                    </a:p>
+                  </a:txBody>
+                  <a:tcPr marL="9525" marR="9525" marT="9525" marB="0" anchor="b"/>
+                </a:tc>
+                <a:tc>
+                  <a:txBody>
+                    <a:bodyPr/>
+                    <a:lstStyle/>
+                    <a:p>
+                      <a:pPr algn="r" fontAlgn="b"/>
+                      <a:r>
+                        <a:rPr lang="en-GB" sz="1100" u="none" strike="noStrike" dirty="0">
+                          <a:effectLst/>
+                        </a:rPr>
+                        <a:t>0.292506728</a:t>
+                      </a:r>
+                      <a:endParaRPr lang="en-GB" sz="1100" b="0" i="0" u="none" strike="noStrike" dirty="0">
+                        <a:solidFill>
+                          <a:srgbClr val="000000"/>
+                        </a:solidFill>
+                        <a:effectLst/>
+                        <a:latin typeface="Calibri"/>
+                      </a:endParaRPr>
+                    </a:p>
+                  </a:txBody>
+                  <a:tcPr marL="9525" marR="9525" marT="9525" marB="0" anchor="b"/>
+                </a:tc>
+                <a:tc>
+                  <a:txBody>
+                    <a:bodyPr/>
+                    <a:lstStyle/>
+                    <a:p>
+                      <a:pPr algn="r" fontAlgn="b"/>
+                      <a:r>
+                        <a:rPr lang="en-GB" sz="1100" u="none" strike="noStrike" dirty="0">
+                          <a:effectLst/>
+                        </a:rPr>
+                        <a:t>230</a:t>
+                      </a:r>
+                      <a:endParaRPr lang="en-GB" sz="1100" b="0" i="0" u="none" strike="noStrike" dirty="0">
+                        <a:solidFill>
+                          <a:srgbClr val="000000"/>
+                        </a:solidFill>
+                        <a:effectLst/>
+                        <a:latin typeface="Calibri"/>
+                      </a:endParaRPr>
+                    </a:p>
+                  </a:txBody>
+                  <a:tcPr marL="9525" marR="9525" marT="9525" marB="0" anchor="b"/>
+                </a:tc>
+                <a:tc>
+                  <a:txBody>
+                    <a:bodyPr/>
+                    <a:lstStyle/>
+                    <a:p>
+                      <a:pPr algn="r" fontAlgn="b"/>
+                      <a:r>
+                        <a:rPr lang="en-GB" sz="1100" u="none" strike="noStrike" dirty="0">
+                          <a:effectLst/>
+                        </a:rPr>
+                        <a:t>1</a:t>
+                      </a:r>
+                      <a:endParaRPr lang="en-GB" sz="1100" b="0" i="0" u="none" strike="noStrike" dirty="0">
+                        <a:solidFill>
+                          <a:srgbClr val="000000"/>
+                        </a:solidFill>
+                        <a:effectLst/>
+                        <a:latin typeface="Calibri"/>
+                      </a:endParaRPr>
+                    </a:p>
+                  </a:txBody>
+                  <a:tcPr marL="9525" marR="9525" marT="9525" marB="0" anchor="b"/>
+                </a:tc>
+                <a:tc>
+                  <a:txBody>
+                    <a:bodyPr/>
+                    <a:lstStyle/>
+                    <a:p>
+                      <a:pPr algn="r" fontAlgn="b"/>
+                      <a:r>
+                        <a:rPr lang="en-GB" sz="1100" u="none" strike="noStrike" dirty="0">
+                          <a:effectLst/>
+                        </a:rPr>
+                        <a:t>3.02773312</a:t>
+                      </a:r>
+                      <a:endParaRPr lang="en-GB" sz="1100" b="0" i="0" u="none" strike="noStrike" dirty="0">
+                        <a:solidFill>
+                          <a:srgbClr val="000000"/>
+                        </a:solidFill>
+                        <a:effectLst/>
+                        <a:latin typeface="Calibri"/>
+                      </a:endParaRPr>
+                    </a:p>
+                  </a:txBody>
+                  <a:tcPr marL="9525" marR="9525" marT="9525" marB="0" anchor="b"/>
+                </a:tc>
+                <a:tc>
+                  <a:txBody>
+                    <a:bodyPr/>
+                    <a:lstStyle/>
+                    <a:p>
+                      <a:pPr algn="r" fontAlgn="b"/>
+                      <a:r>
+                        <a:rPr lang="en-GB" sz="1100" u="none" strike="noStrike" dirty="0">
+                          <a:effectLst/>
+                        </a:rPr>
+                        <a:t>320.2895</a:t>
+                      </a:r>
+                      <a:endParaRPr lang="en-GB" sz="1100" b="0" i="0" u="none" strike="noStrike" dirty="0">
+                        <a:solidFill>
+                          <a:srgbClr val="000000"/>
+                        </a:solidFill>
+                        <a:effectLst/>
+                        <a:latin typeface="Calibri"/>
+                      </a:endParaRPr>
+                    </a:p>
+                  </a:txBody>
+                  <a:tcPr marL="9525" marR="9525" marT="9525" marB="0" anchor="b"/>
+                </a:tc>
+              </a:tr>
+              <a:tr h="225597">
+                <a:tc>
+                  <a:txBody>
+                    <a:bodyPr/>
+                    <a:lstStyle/>
+                    <a:p>
+                      <a:pPr algn="l" fontAlgn="b"/>
+                      <a:r>
+                        <a:rPr lang="en-GB" sz="1100" u="none" strike="noStrike">
+                          <a:effectLst/>
+                        </a:rPr>
+                        <a:t>TUBB4A</a:t>
+                      </a:r>
+                      <a:endParaRPr lang="en-GB" sz="1100" b="0" i="0" u="none" strike="noStrike">
+                        <a:solidFill>
+                          <a:srgbClr val="000000"/>
+                        </a:solidFill>
+                        <a:effectLst/>
+                        <a:latin typeface="Calibri"/>
+                      </a:endParaRPr>
+                    </a:p>
+                  </a:txBody>
+                  <a:tcPr marL="9525" marR="9525" marT="9525" marB="0" anchor="b"/>
+                </a:tc>
+                <a:tc>
+                  <a:txBody>
+                    <a:bodyPr/>
+                    <a:lstStyle/>
+                    <a:p>
+                      <a:pPr algn="r" fontAlgn="b"/>
+                      <a:r>
+                        <a:rPr lang="en-GB" sz="1100" u="none" strike="noStrike">
+                          <a:effectLst/>
+                        </a:rPr>
+                        <a:t>0.267779746</a:t>
+                      </a:r>
+                      <a:endParaRPr lang="en-GB" sz="1100" b="0" i="0" u="none" strike="noStrike">
+                        <a:solidFill>
+                          <a:srgbClr val="000000"/>
+                        </a:solidFill>
+                        <a:effectLst/>
+                        <a:latin typeface="Calibri"/>
+                      </a:endParaRPr>
+                    </a:p>
+                  </a:txBody>
+                  <a:tcPr marL="9525" marR="9525" marT="9525" marB="0" anchor="b"/>
+                </a:tc>
+                <a:tc>
+                  <a:txBody>
+                    <a:bodyPr/>
+                    <a:lstStyle/>
+                    <a:p>
+                      <a:pPr algn="r" fontAlgn="b"/>
+                      <a:r>
+                        <a:rPr lang="en-GB" sz="1100" u="none" strike="noStrike" dirty="0">
+                          <a:effectLst/>
+                        </a:rPr>
+                        <a:t>234</a:t>
+                      </a:r>
+                      <a:endParaRPr lang="en-GB" sz="1100" b="0" i="0" u="none" strike="noStrike" dirty="0">
+                        <a:solidFill>
+                          <a:srgbClr val="000000"/>
+                        </a:solidFill>
+                        <a:effectLst/>
+                        <a:latin typeface="Calibri"/>
+                      </a:endParaRPr>
+                    </a:p>
+                  </a:txBody>
+                  <a:tcPr marL="9525" marR="9525" marT="9525" marB="0" anchor="b"/>
+                </a:tc>
+                <a:tc>
+                  <a:txBody>
+                    <a:bodyPr/>
+                    <a:lstStyle/>
+                    <a:p>
+                      <a:pPr algn="r" fontAlgn="b"/>
+                      <a:r>
+                        <a:rPr lang="en-GB" sz="1100" u="none" strike="noStrike">
+                          <a:effectLst/>
+                        </a:rPr>
+                        <a:t>1</a:t>
+                      </a:r>
+                      <a:endParaRPr lang="en-GB" sz="1100" b="0" i="0" u="none" strike="noStrike">
+                        <a:solidFill>
+                          <a:srgbClr val="000000"/>
+                        </a:solidFill>
+                        <a:effectLst/>
+                        <a:latin typeface="Calibri"/>
+                      </a:endParaRPr>
+                    </a:p>
+                  </a:txBody>
+                  <a:tcPr marL="9525" marR="9525" marT="9525" marB="0" anchor="b"/>
+                </a:tc>
+                <a:tc>
+                  <a:txBody>
+                    <a:bodyPr/>
+                    <a:lstStyle/>
+                    <a:p>
+                      <a:pPr algn="r" fontAlgn="b"/>
+                      <a:r>
+                        <a:rPr lang="en-GB" sz="1100" u="none" strike="noStrike" dirty="0">
+                          <a:effectLst/>
+                        </a:rPr>
+                        <a:t>3.27893891</a:t>
+                      </a:r>
+                      <a:endParaRPr lang="en-GB" sz="1100" b="0" i="0" u="none" strike="noStrike" dirty="0">
+                        <a:solidFill>
+                          <a:srgbClr val="000000"/>
+                        </a:solidFill>
+                        <a:effectLst/>
+                        <a:latin typeface="Calibri"/>
+                      </a:endParaRPr>
+                    </a:p>
+                  </a:txBody>
+                  <a:tcPr marL="9525" marR="9525" marT="9525" marB="0" anchor="b"/>
+                </a:tc>
+                <a:tc>
+                  <a:txBody>
+                    <a:bodyPr/>
+                    <a:lstStyle/>
+                    <a:p>
+                      <a:pPr algn="r" fontAlgn="b"/>
+                      <a:r>
+                        <a:rPr lang="en-GB" sz="1100" u="none" strike="noStrike" dirty="0">
+                          <a:effectLst/>
+                        </a:rPr>
+                        <a:t>319.2167</a:t>
+                      </a:r>
+                      <a:endParaRPr lang="en-GB" sz="1100" b="0" i="0" u="none" strike="noStrike" dirty="0">
+                        <a:solidFill>
+                          <a:srgbClr val="000000"/>
+                        </a:solidFill>
+                        <a:effectLst/>
+                        <a:latin typeface="Calibri"/>
+                      </a:endParaRPr>
+                    </a:p>
+                  </a:txBody>
+                  <a:tcPr marL="9525" marR="9525" marT="9525" marB="0" anchor="b"/>
+                </a:tc>
+              </a:tr>
+              <a:tr h="225597">
+                <a:tc>
+                  <a:txBody>
+                    <a:bodyPr/>
+                    <a:lstStyle/>
+                    <a:p>
+                      <a:pPr algn="l" fontAlgn="b"/>
+                      <a:r>
+                        <a:rPr lang="en-GB" sz="1100" u="none" strike="noStrike">
+                          <a:effectLst/>
+                        </a:rPr>
+                        <a:t>SLC33A1</a:t>
+                      </a:r>
+                      <a:endParaRPr lang="en-GB" sz="1100" b="0" i="0" u="none" strike="noStrike">
+                        <a:solidFill>
+                          <a:srgbClr val="000000"/>
+                        </a:solidFill>
+                        <a:effectLst/>
+                        <a:latin typeface="Calibri"/>
+                      </a:endParaRPr>
+                    </a:p>
+                  </a:txBody>
+                  <a:tcPr marL="9525" marR="9525" marT="9525" marB="0" anchor="b"/>
+                </a:tc>
+                <a:tc>
+                  <a:txBody>
+                    <a:bodyPr/>
+                    <a:lstStyle/>
+                    <a:p>
+                      <a:pPr algn="r" fontAlgn="b"/>
+                      <a:r>
+                        <a:rPr lang="en-GB" sz="1100" u="none" strike="noStrike">
+                          <a:effectLst/>
+                        </a:rPr>
+                        <a:t>0.342858809</a:t>
+                      </a:r>
+                      <a:endParaRPr lang="en-GB" sz="1100" b="0" i="0" u="none" strike="noStrike">
+                        <a:solidFill>
+                          <a:srgbClr val="000000"/>
+                        </a:solidFill>
+                        <a:effectLst/>
+                        <a:latin typeface="Calibri"/>
+                      </a:endParaRPr>
+                    </a:p>
+                  </a:txBody>
+                  <a:tcPr marL="9525" marR="9525" marT="9525" marB="0" anchor="b"/>
+                </a:tc>
+                <a:tc>
+                  <a:txBody>
+                    <a:bodyPr/>
+                    <a:lstStyle/>
+                    <a:p>
+                      <a:pPr algn="r" fontAlgn="b"/>
+                      <a:r>
+                        <a:rPr lang="en-GB" sz="1100" u="none" strike="noStrike">
+                          <a:effectLst/>
+                        </a:rPr>
+                        <a:t>147</a:t>
+                      </a:r>
+                      <a:endParaRPr lang="en-GB" sz="1100" b="0" i="0" u="none" strike="noStrike">
+                        <a:solidFill>
+                          <a:srgbClr val="000000"/>
+                        </a:solidFill>
+                        <a:effectLst/>
+                        <a:latin typeface="Calibri"/>
+                      </a:endParaRPr>
+                    </a:p>
+                  </a:txBody>
+                  <a:tcPr marL="9525" marR="9525" marT="9525" marB="0" anchor="b"/>
+                </a:tc>
+                <a:tc>
+                  <a:txBody>
+                    <a:bodyPr/>
+                    <a:lstStyle/>
+                    <a:p>
+                      <a:pPr algn="r" fontAlgn="b"/>
+                      <a:r>
+                        <a:rPr lang="en-GB" sz="1100" u="none" strike="noStrike">
+                          <a:effectLst/>
+                        </a:rPr>
+                        <a:t>1</a:t>
+                      </a:r>
+                      <a:endParaRPr lang="en-GB" sz="1100" b="0" i="0" u="none" strike="noStrike">
+                        <a:solidFill>
+                          <a:srgbClr val="000000"/>
+                        </a:solidFill>
+                        <a:effectLst/>
+                        <a:latin typeface="Calibri"/>
+                      </a:endParaRPr>
+                    </a:p>
+                  </a:txBody>
+                  <a:tcPr marL="9525" marR="9525" marT="9525" marB="0" anchor="b"/>
+                </a:tc>
+                <a:tc>
+                  <a:txBody>
+                    <a:bodyPr/>
+                    <a:lstStyle/>
+                    <a:p>
+                      <a:pPr algn="r" fontAlgn="b"/>
+                      <a:r>
+                        <a:rPr lang="en-GB" sz="1100" u="none" strike="noStrike">
+                          <a:effectLst/>
+                        </a:rPr>
+                        <a:t>3.5028135</a:t>
+                      </a:r>
+                      <a:endParaRPr lang="en-GB" sz="1100" b="0" i="0" u="none" strike="noStrike">
+                        <a:solidFill>
+                          <a:srgbClr val="000000"/>
+                        </a:solidFill>
+                        <a:effectLst/>
+                        <a:latin typeface="Calibri"/>
+                      </a:endParaRPr>
+                    </a:p>
+                  </a:txBody>
+                  <a:tcPr marL="9525" marR="9525" marT="9525" marB="0" anchor="b"/>
+                </a:tc>
+                <a:tc>
+                  <a:txBody>
+                    <a:bodyPr/>
+                    <a:lstStyle/>
+                    <a:p>
+                      <a:pPr algn="r" fontAlgn="b"/>
+                      <a:r>
+                        <a:rPr lang="en-GB" sz="1100" u="none" strike="noStrike">
+                          <a:effectLst/>
+                        </a:rPr>
+                        <a:t>307.0421</a:t>
+                      </a:r>
+                      <a:endParaRPr lang="en-GB" sz="1100" b="0" i="0" u="none" strike="noStrike">
+                        <a:solidFill>
+                          <a:srgbClr val="000000"/>
+                        </a:solidFill>
+                        <a:effectLst/>
+                        <a:latin typeface="Calibri"/>
+                      </a:endParaRPr>
+                    </a:p>
+                  </a:txBody>
+                  <a:tcPr marL="9525" marR="9525" marT="9525" marB="0" anchor="b"/>
+                </a:tc>
+              </a:tr>
+              <a:tr h="225597">
+                <a:tc>
+                  <a:txBody>
+                    <a:bodyPr/>
+                    <a:lstStyle/>
+                    <a:p>
+                      <a:pPr algn="l" fontAlgn="b"/>
+                      <a:r>
+                        <a:rPr lang="en-GB" sz="1100" u="none" strike="noStrike">
+                          <a:effectLst/>
+                        </a:rPr>
+                        <a:t>AFG3L2</a:t>
+                      </a:r>
+                      <a:endParaRPr lang="en-GB" sz="1100" b="0" i="0" u="none" strike="noStrike">
+                        <a:solidFill>
+                          <a:srgbClr val="000000"/>
+                        </a:solidFill>
+                        <a:effectLst/>
+                        <a:latin typeface="Calibri"/>
+                      </a:endParaRPr>
+                    </a:p>
+                  </a:txBody>
+                  <a:tcPr marL="9525" marR="9525" marT="9525" marB="0" anchor="b"/>
+                </a:tc>
+                <a:tc>
+                  <a:txBody>
+                    <a:bodyPr/>
+                    <a:lstStyle/>
+                    <a:p>
+                      <a:pPr algn="r" fontAlgn="b"/>
+                      <a:r>
+                        <a:rPr lang="en-GB" sz="1100" u="none" strike="noStrike">
+                          <a:effectLst/>
+                        </a:rPr>
+                        <a:t>0.193167334</a:t>
+                      </a:r>
+                      <a:endParaRPr lang="en-GB" sz="1100" b="0" i="0" u="none" strike="noStrike">
+                        <a:solidFill>
+                          <a:srgbClr val="000000"/>
+                        </a:solidFill>
+                        <a:effectLst/>
+                        <a:latin typeface="Calibri"/>
+                      </a:endParaRPr>
+                    </a:p>
+                  </a:txBody>
+                  <a:tcPr marL="9525" marR="9525" marT="9525" marB="0" anchor="b"/>
+                </a:tc>
+                <a:tc>
+                  <a:txBody>
+                    <a:bodyPr/>
+                    <a:lstStyle/>
+                    <a:p>
+                      <a:pPr algn="r" fontAlgn="b"/>
+                      <a:r>
+                        <a:rPr lang="en-GB" sz="1100" u="none" strike="noStrike">
+                          <a:effectLst/>
+                        </a:rPr>
+                        <a:t>243</a:t>
+                      </a:r>
+                      <a:endParaRPr lang="en-GB" sz="1100" b="0" i="0" u="none" strike="noStrike">
+                        <a:solidFill>
+                          <a:srgbClr val="000000"/>
+                        </a:solidFill>
+                        <a:effectLst/>
+                        <a:latin typeface="Calibri"/>
+                      </a:endParaRPr>
+                    </a:p>
+                  </a:txBody>
+                  <a:tcPr marL="9525" marR="9525" marT="9525" marB="0" anchor="b"/>
+                </a:tc>
+                <a:tc>
+                  <a:txBody>
+                    <a:bodyPr/>
+                    <a:lstStyle/>
+                    <a:p>
+                      <a:pPr algn="r" fontAlgn="b"/>
+                      <a:r>
+                        <a:rPr lang="en-GB" sz="1100" u="none" strike="noStrike">
+                          <a:effectLst/>
+                        </a:rPr>
+                        <a:t>1</a:t>
+                      </a:r>
+                      <a:endParaRPr lang="en-GB" sz="1100" b="0" i="0" u="none" strike="noStrike">
+                        <a:solidFill>
+                          <a:srgbClr val="000000"/>
+                        </a:solidFill>
+                        <a:effectLst/>
+                        <a:latin typeface="Calibri"/>
+                      </a:endParaRPr>
+                    </a:p>
+                  </a:txBody>
+                  <a:tcPr marL="9525" marR="9525" marT="9525" marB="0" anchor="b"/>
+                </a:tc>
+                <a:tc>
+                  <a:txBody>
+                    <a:bodyPr/>
+                    <a:lstStyle/>
+                    <a:p>
+                      <a:pPr algn="r" fontAlgn="b"/>
+                      <a:r>
+                        <a:rPr lang="en-GB" sz="1100" u="none" strike="noStrike">
+                          <a:effectLst/>
+                        </a:rPr>
+                        <a:t>3.23392283</a:t>
+                      </a:r>
+                      <a:endParaRPr lang="en-GB" sz="1100" b="0" i="0" u="none" strike="noStrike">
+                        <a:solidFill>
+                          <a:srgbClr val="000000"/>
+                        </a:solidFill>
+                        <a:effectLst/>
+                        <a:latin typeface="Calibri"/>
+                      </a:endParaRPr>
+                    </a:p>
+                  </a:txBody>
+                  <a:tcPr marL="9525" marR="9525" marT="9525" marB="0" anchor="b"/>
+                </a:tc>
+                <a:tc>
+                  <a:txBody>
+                    <a:bodyPr/>
+                    <a:lstStyle/>
+                    <a:p>
+                      <a:pPr algn="r" fontAlgn="b"/>
+                      <a:r>
+                        <a:rPr lang="en-GB" sz="1100" u="none" strike="noStrike">
+                          <a:effectLst/>
+                        </a:rPr>
+                        <a:t>302.2046</a:t>
+                      </a:r>
+                      <a:endParaRPr lang="en-GB" sz="1100" b="0" i="0" u="none" strike="noStrike">
+                        <a:solidFill>
+                          <a:srgbClr val="000000"/>
+                        </a:solidFill>
+                        <a:effectLst/>
+                        <a:latin typeface="Calibri"/>
+                      </a:endParaRPr>
+                    </a:p>
+                  </a:txBody>
+                  <a:tcPr marL="9525" marR="9525" marT="9525" marB="0" anchor="b"/>
+                </a:tc>
+              </a:tr>
+              <a:tr h="225597">
+                <a:tc>
+                  <a:txBody>
+                    <a:bodyPr/>
+                    <a:lstStyle/>
+                    <a:p>
+                      <a:pPr algn="l" fontAlgn="b"/>
+                      <a:r>
+                        <a:rPr lang="en-GB" sz="1100" u="none" strike="noStrike">
+                          <a:effectLst/>
+                        </a:rPr>
+                        <a:t>CAPN1</a:t>
+                      </a:r>
+                      <a:endParaRPr lang="en-GB" sz="1100" b="0" i="0" u="none" strike="noStrike">
+                        <a:solidFill>
+                          <a:srgbClr val="000000"/>
+                        </a:solidFill>
+                        <a:effectLst/>
+                        <a:latin typeface="Calibri"/>
+                      </a:endParaRPr>
+                    </a:p>
+                  </a:txBody>
+                  <a:tcPr marL="9525" marR="9525" marT="9525" marB="0" anchor="b"/>
+                </a:tc>
+                <a:tc>
+                  <a:txBody>
+                    <a:bodyPr/>
+                    <a:lstStyle/>
+                    <a:p>
+                      <a:pPr algn="r" fontAlgn="b"/>
+                      <a:r>
+                        <a:rPr lang="en-GB" sz="1100" u="none" strike="noStrike">
+                          <a:effectLst/>
+                        </a:rPr>
+                        <a:t>0.258389663</a:t>
+                      </a:r>
+                      <a:endParaRPr lang="en-GB" sz="1100" b="0" i="0" u="none" strike="noStrike">
+                        <a:solidFill>
+                          <a:srgbClr val="000000"/>
+                        </a:solidFill>
+                        <a:effectLst/>
+                        <a:latin typeface="Calibri"/>
+                      </a:endParaRPr>
+                    </a:p>
+                  </a:txBody>
+                  <a:tcPr marL="9525" marR="9525" marT="9525" marB="0" anchor="b"/>
+                </a:tc>
+                <a:tc>
+                  <a:txBody>
+                    <a:bodyPr/>
+                    <a:lstStyle/>
+                    <a:p>
+                      <a:pPr algn="r" fontAlgn="b"/>
+                      <a:r>
+                        <a:rPr lang="en-GB" sz="1100" u="none" strike="noStrike">
+                          <a:effectLst/>
+                        </a:rPr>
+                        <a:t>164</a:t>
+                      </a:r>
+                      <a:endParaRPr lang="en-GB" sz="1100" b="0" i="0" u="none" strike="noStrike">
+                        <a:solidFill>
+                          <a:srgbClr val="000000"/>
+                        </a:solidFill>
+                        <a:effectLst/>
+                        <a:latin typeface="Calibri"/>
+                      </a:endParaRPr>
+                    </a:p>
+                  </a:txBody>
+                  <a:tcPr marL="9525" marR="9525" marT="9525" marB="0" anchor="b"/>
+                </a:tc>
+                <a:tc>
+                  <a:txBody>
+                    <a:bodyPr/>
+                    <a:lstStyle/>
+                    <a:p>
+                      <a:pPr algn="r" fontAlgn="b"/>
+                      <a:r>
+                        <a:rPr lang="en-GB" sz="1100" u="none" strike="noStrike">
+                          <a:effectLst/>
+                        </a:rPr>
+                        <a:t>1</a:t>
+                      </a:r>
+                      <a:endParaRPr lang="en-GB" sz="1100" b="0" i="0" u="none" strike="noStrike">
+                        <a:solidFill>
+                          <a:srgbClr val="000000"/>
+                        </a:solidFill>
+                        <a:effectLst/>
+                        <a:latin typeface="Calibri"/>
+                      </a:endParaRPr>
+                    </a:p>
+                  </a:txBody>
+                  <a:tcPr marL="9525" marR="9525" marT="9525" marB="0" anchor="b"/>
+                </a:tc>
+                <a:tc>
+                  <a:txBody>
+                    <a:bodyPr/>
+                    <a:lstStyle/>
+                    <a:p>
+                      <a:pPr algn="r" fontAlgn="b"/>
+                      <a:r>
+                        <a:rPr lang="en-GB" sz="1100" u="none" strike="noStrike">
+                          <a:effectLst/>
+                        </a:rPr>
+                        <a:t>3.25803859</a:t>
+                      </a:r>
+                      <a:endParaRPr lang="en-GB" sz="1100" b="0" i="0" u="none" strike="noStrike">
+                        <a:solidFill>
+                          <a:srgbClr val="000000"/>
+                        </a:solidFill>
+                        <a:effectLst/>
+                        <a:latin typeface="Calibri"/>
+                      </a:endParaRPr>
+                    </a:p>
+                  </a:txBody>
+                  <a:tcPr marL="9525" marR="9525" marT="9525" marB="0" anchor="b"/>
+                </a:tc>
+                <a:tc>
+                  <a:txBody>
+                    <a:bodyPr/>
+                    <a:lstStyle/>
+                    <a:p>
+                      <a:pPr algn="r" fontAlgn="b"/>
+                      <a:r>
+                        <a:rPr lang="en-GB" sz="1100" u="none" strike="noStrike">
+                          <a:effectLst/>
+                        </a:rPr>
+                        <a:t>287.5656</a:t>
+                      </a:r>
+                      <a:endParaRPr lang="en-GB" sz="1100" b="0" i="0" u="none" strike="noStrike">
+                        <a:solidFill>
+                          <a:srgbClr val="000000"/>
+                        </a:solidFill>
+                        <a:effectLst/>
+                        <a:latin typeface="Calibri"/>
+                      </a:endParaRPr>
+                    </a:p>
+                  </a:txBody>
+                  <a:tcPr marL="9525" marR="9525" marT="9525" marB="0" anchor="b"/>
+                </a:tc>
+              </a:tr>
+              <a:tr h="225597">
+                <a:tc>
+                  <a:txBody>
+                    <a:bodyPr/>
+                    <a:lstStyle/>
+                    <a:p>
+                      <a:pPr algn="l" fontAlgn="b"/>
+                      <a:r>
+                        <a:rPr lang="en-GB" sz="1100" u="none" strike="noStrike">
+                          <a:effectLst/>
+                        </a:rPr>
+                        <a:t>KIF1A</a:t>
+                      </a:r>
+                      <a:endParaRPr lang="en-GB" sz="1100" b="0" i="0" u="none" strike="noStrike">
+                        <a:solidFill>
+                          <a:srgbClr val="000000"/>
+                        </a:solidFill>
+                        <a:effectLst/>
+                        <a:latin typeface="Calibri"/>
+                      </a:endParaRPr>
+                    </a:p>
+                  </a:txBody>
+                  <a:tcPr marL="9525" marR="9525" marT="9525" marB="0" anchor="b"/>
+                </a:tc>
+                <a:tc>
+                  <a:txBody>
+                    <a:bodyPr/>
+                    <a:lstStyle/>
+                    <a:p>
+                      <a:pPr algn="r" fontAlgn="b"/>
+                      <a:r>
+                        <a:rPr lang="en-GB" sz="1100" u="none" strike="noStrike">
+                          <a:effectLst/>
+                        </a:rPr>
+                        <a:t>0.372792644</a:t>
+                      </a:r>
+                      <a:endParaRPr lang="en-GB" sz="1100" b="0" i="0" u="none" strike="noStrike">
+                        <a:solidFill>
+                          <a:srgbClr val="000000"/>
+                        </a:solidFill>
+                        <a:effectLst/>
+                        <a:latin typeface="Calibri"/>
+                      </a:endParaRPr>
+                    </a:p>
+                  </a:txBody>
+                  <a:tcPr marL="9525" marR="9525" marT="9525" marB="0" anchor="b"/>
+                </a:tc>
+                <a:tc>
+                  <a:txBody>
+                    <a:bodyPr/>
+                    <a:lstStyle/>
+                    <a:p>
+                      <a:pPr algn="r" fontAlgn="b"/>
+                      <a:r>
+                        <a:rPr lang="en-GB" sz="1100" u="none" strike="noStrike">
+                          <a:effectLst/>
+                        </a:rPr>
+                        <a:t>85</a:t>
+                      </a:r>
+                      <a:endParaRPr lang="en-GB" sz="1100" b="0" i="0" u="none" strike="noStrike">
+                        <a:solidFill>
+                          <a:srgbClr val="000000"/>
+                        </a:solidFill>
+                        <a:effectLst/>
+                        <a:latin typeface="Calibri"/>
+                      </a:endParaRPr>
+                    </a:p>
+                  </a:txBody>
+                  <a:tcPr marL="9525" marR="9525" marT="9525" marB="0" anchor="b"/>
+                </a:tc>
+                <a:tc>
+                  <a:txBody>
+                    <a:bodyPr/>
+                    <a:lstStyle/>
+                    <a:p>
+                      <a:pPr algn="r" fontAlgn="b"/>
+                      <a:r>
+                        <a:rPr lang="en-GB" sz="1100" u="none" strike="noStrike">
+                          <a:effectLst/>
+                        </a:rPr>
+                        <a:t>1</a:t>
+                      </a:r>
+                      <a:endParaRPr lang="en-GB" sz="1100" b="0" i="0" u="none" strike="noStrike">
+                        <a:solidFill>
+                          <a:srgbClr val="000000"/>
+                        </a:solidFill>
+                        <a:effectLst/>
+                        <a:latin typeface="Calibri"/>
+                      </a:endParaRPr>
+                    </a:p>
+                  </a:txBody>
+                  <a:tcPr marL="9525" marR="9525" marT="9525" marB="0" anchor="b"/>
+                </a:tc>
+                <a:tc>
+                  <a:txBody>
+                    <a:bodyPr/>
+                    <a:lstStyle/>
+                    <a:p>
+                      <a:pPr algn="r" fontAlgn="b"/>
+                      <a:r>
+                        <a:rPr lang="en-GB" sz="1100" u="none" strike="noStrike">
+                          <a:effectLst/>
+                        </a:rPr>
+                        <a:t>3.29019293</a:t>
+                      </a:r>
+                      <a:endParaRPr lang="en-GB" sz="1100" b="0" i="0" u="none" strike="noStrike">
+                        <a:solidFill>
+                          <a:srgbClr val="000000"/>
+                        </a:solidFill>
+                        <a:effectLst/>
+                        <a:latin typeface="Calibri"/>
+                      </a:endParaRPr>
+                    </a:p>
+                  </a:txBody>
+                  <a:tcPr marL="9525" marR="9525" marT="9525" marB="0" anchor="b"/>
+                </a:tc>
+                <a:tc>
+                  <a:txBody>
+                    <a:bodyPr/>
+                    <a:lstStyle/>
+                    <a:p>
+                      <a:pPr algn="r" fontAlgn="b"/>
+                      <a:r>
+                        <a:rPr lang="en-GB" sz="1100" u="none" strike="noStrike">
+                          <a:effectLst/>
+                        </a:rPr>
+                        <a:t>286.2445</a:t>
+                      </a:r>
+                      <a:endParaRPr lang="en-GB" sz="1100" b="0" i="0" u="none" strike="noStrike">
+                        <a:solidFill>
+                          <a:srgbClr val="000000"/>
+                        </a:solidFill>
+                        <a:effectLst/>
+                        <a:latin typeface="Calibri"/>
+                      </a:endParaRPr>
+                    </a:p>
+                  </a:txBody>
+                  <a:tcPr marL="9525" marR="9525" marT="9525" marB="0" anchor="b"/>
+                </a:tc>
+              </a:tr>
+              <a:tr h="225597">
+                <a:tc>
+                  <a:txBody>
+                    <a:bodyPr/>
+                    <a:lstStyle/>
+                    <a:p>
+                      <a:pPr algn="l" fontAlgn="b"/>
+                      <a:r>
+                        <a:rPr lang="en-GB" sz="1100" u="none" strike="noStrike">
+                          <a:effectLst/>
+                        </a:rPr>
+                        <a:t>SPG7</a:t>
+                      </a:r>
+                      <a:endParaRPr lang="en-GB" sz="1100" b="0" i="0" u="none" strike="noStrike">
+                        <a:solidFill>
+                          <a:srgbClr val="000000"/>
+                        </a:solidFill>
+                        <a:effectLst/>
+                        <a:latin typeface="Calibri"/>
+                      </a:endParaRPr>
+                    </a:p>
+                  </a:txBody>
+                  <a:tcPr marL="9525" marR="9525" marT="9525" marB="0" anchor="b"/>
+                </a:tc>
+                <a:tc>
+                  <a:txBody>
+                    <a:bodyPr/>
+                    <a:lstStyle/>
+                    <a:p>
+                      <a:pPr algn="r" fontAlgn="b"/>
+                      <a:r>
+                        <a:rPr lang="en-GB" sz="1100" u="none" strike="noStrike">
+                          <a:effectLst/>
+                        </a:rPr>
+                        <a:t>0.218653143</a:t>
+                      </a:r>
+                      <a:endParaRPr lang="en-GB" sz="1100" b="0" i="0" u="none" strike="noStrike">
+                        <a:solidFill>
+                          <a:srgbClr val="000000"/>
+                        </a:solidFill>
+                        <a:effectLst/>
+                        <a:latin typeface="Calibri"/>
+                      </a:endParaRPr>
+                    </a:p>
+                  </a:txBody>
+                  <a:tcPr marL="9525" marR="9525" marT="9525" marB="0" anchor="b"/>
+                </a:tc>
+                <a:tc>
+                  <a:txBody>
+                    <a:bodyPr/>
+                    <a:lstStyle/>
+                    <a:p>
+                      <a:pPr algn="r" fontAlgn="b"/>
+                      <a:r>
+                        <a:rPr lang="en-GB" sz="1100" u="none" strike="noStrike">
+                          <a:effectLst/>
+                        </a:rPr>
+                        <a:t>135</a:t>
+                      </a:r>
+                      <a:endParaRPr lang="en-GB" sz="1100" b="0" i="0" u="none" strike="noStrike">
+                        <a:solidFill>
+                          <a:srgbClr val="000000"/>
+                        </a:solidFill>
+                        <a:effectLst/>
+                        <a:latin typeface="Calibri"/>
+                      </a:endParaRPr>
+                    </a:p>
+                  </a:txBody>
+                  <a:tcPr marL="9525" marR="9525" marT="9525" marB="0" anchor="b"/>
+                </a:tc>
+                <a:tc>
+                  <a:txBody>
+                    <a:bodyPr/>
+                    <a:lstStyle/>
+                    <a:p>
+                      <a:pPr algn="r" fontAlgn="b"/>
+                      <a:r>
+                        <a:rPr lang="en-GB" sz="1100" u="none" strike="noStrike">
+                          <a:effectLst/>
+                        </a:rPr>
+                        <a:t>1</a:t>
+                      </a:r>
+                      <a:endParaRPr lang="en-GB" sz="1100" b="0" i="0" u="none" strike="noStrike">
+                        <a:solidFill>
+                          <a:srgbClr val="000000"/>
+                        </a:solidFill>
+                        <a:effectLst/>
+                        <a:latin typeface="Calibri"/>
+                      </a:endParaRPr>
+                    </a:p>
+                  </a:txBody>
+                  <a:tcPr marL="9525" marR="9525" marT="9525" marB="0" anchor="b"/>
+                </a:tc>
+                <a:tc>
+                  <a:txBody>
+                    <a:bodyPr/>
+                    <a:lstStyle/>
+                    <a:p>
+                      <a:pPr algn="r" fontAlgn="b"/>
+                      <a:r>
+                        <a:rPr lang="en-GB" sz="1100" u="none" strike="noStrike">
+                          <a:effectLst/>
+                        </a:rPr>
+                        <a:t>3.6840836</a:t>
+                      </a:r>
+                      <a:endParaRPr lang="en-GB" sz="1100" b="0" i="0" u="none" strike="noStrike">
+                        <a:solidFill>
+                          <a:srgbClr val="000000"/>
+                        </a:solidFill>
+                        <a:effectLst/>
+                        <a:latin typeface="Calibri"/>
+                      </a:endParaRPr>
+                    </a:p>
+                  </a:txBody>
+                  <a:tcPr marL="9525" marR="9525" marT="9525" marB="0" anchor="b"/>
+                </a:tc>
+                <a:tc>
+                  <a:txBody>
+                    <a:bodyPr/>
+                    <a:lstStyle/>
+                    <a:p>
+                      <a:pPr algn="r" fontAlgn="b"/>
+                      <a:r>
+                        <a:rPr lang="en-GB" sz="1100" u="none" strike="noStrike">
+                          <a:effectLst/>
+                        </a:rPr>
+                        <a:t>271.6106</a:t>
+                      </a:r>
+                      <a:endParaRPr lang="en-GB" sz="1100" b="0" i="0" u="none" strike="noStrike">
+                        <a:solidFill>
+                          <a:srgbClr val="000000"/>
+                        </a:solidFill>
+                        <a:effectLst/>
+                        <a:latin typeface="Calibri"/>
+                      </a:endParaRPr>
+                    </a:p>
+                  </a:txBody>
+                  <a:tcPr marL="9525" marR="9525" marT="9525" marB="0" anchor="b"/>
+                </a:tc>
+              </a:tr>
+              <a:tr h="225597">
+                <a:tc>
+                  <a:txBody>
+                    <a:bodyPr/>
+                    <a:lstStyle/>
+                    <a:p>
+                      <a:pPr algn="l" fontAlgn="b"/>
+                      <a:r>
+                        <a:rPr lang="en-GB" sz="1100" u="none" strike="noStrike">
+                          <a:effectLst/>
+                        </a:rPr>
+                        <a:t>BSCL2</a:t>
+                      </a:r>
+                      <a:endParaRPr lang="en-GB" sz="1100" b="0" i="0" u="none" strike="noStrike">
+                        <a:solidFill>
+                          <a:srgbClr val="000000"/>
+                        </a:solidFill>
+                        <a:effectLst/>
+                        <a:latin typeface="Calibri"/>
+                      </a:endParaRPr>
+                    </a:p>
+                  </a:txBody>
+                  <a:tcPr marL="9525" marR="9525" marT="9525" marB="0" anchor="b"/>
+                </a:tc>
+                <a:tc>
+                  <a:txBody>
+                    <a:bodyPr/>
+                    <a:lstStyle/>
+                    <a:p>
+                      <a:pPr algn="r" fontAlgn="b"/>
+                      <a:r>
+                        <a:rPr lang="en-GB" sz="1100" u="none" strike="noStrike">
+                          <a:effectLst/>
+                        </a:rPr>
+                        <a:t>0.246726874</a:t>
+                      </a:r>
+                      <a:endParaRPr lang="en-GB" sz="1100" b="0" i="0" u="none" strike="noStrike">
+                        <a:solidFill>
+                          <a:srgbClr val="000000"/>
+                        </a:solidFill>
+                        <a:effectLst/>
+                        <a:latin typeface="Calibri"/>
+                      </a:endParaRPr>
+                    </a:p>
+                  </a:txBody>
+                  <a:tcPr marL="9525" marR="9525" marT="9525" marB="0" anchor="b"/>
+                </a:tc>
+                <a:tc>
+                  <a:txBody>
+                    <a:bodyPr/>
+                    <a:lstStyle/>
+                    <a:p>
+                      <a:pPr algn="r" fontAlgn="b"/>
+                      <a:r>
+                        <a:rPr lang="en-GB" sz="1100" u="none" strike="noStrike">
+                          <a:effectLst/>
+                        </a:rPr>
+                        <a:t>104</a:t>
+                      </a:r>
+                      <a:endParaRPr lang="en-GB" sz="1100" b="0" i="0" u="none" strike="noStrike">
+                        <a:solidFill>
+                          <a:srgbClr val="000000"/>
+                        </a:solidFill>
+                        <a:effectLst/>
+                        <a:latin typeface="Calibri"/>
+                      </a:endParaRPr>
+                    </a:p>
+                  </a:txBody>
+                  <a:tcPr marL="9525" marR="9525" marT="9525" marB="0" anchor="b"/>
+                </a:tc>
+                <a:tc>
+                  <a:txBody>
+                    <a:bodyPr/>
+                    <a:lstStyle/>
+                    <a:p>
+                      <a:pPr algn="r" fontAlgn="b"/>
+                      <a:r>
+                        <a:rPr lang="en-GB" sz="1100" u="none" strike="noStrike">
+                          <a:effectLst/>
+                        </a:rPr>
+                        <a:t>1</a:t>
+                      </a:r>
+                      <a:endParaRPr lang="en-GB" sz="1100" b="0" i="0" u="none" strike="noStrike">
+                        <a:solidFill>
+                          <a:srgbClr val="000000"/>
+                        </a:solidFill>
+                        <a:effectLst/>
+                        <a:latin typeface="Calibri"/>
+                      </a:endParaRPr>
+                    </a:p>
+                  </a:txBody>
+                  <a:tcPr marL="9525" marR="9525" marT="9525" marB="0" anchor="b"/>
+                </a:tc>
+                <a:tc>
+                  <a:txBody>
+                    <a:bodyPr/>
+                    <a:lstStyle/>
+                    <a:p>
+                      <a:pPr algn="r" fontAlgn="b"/>
+                      <a:r>
+                        <a:rPr lang="en-GB" sz="1100" u="none" strike="noStrike">
+                          <a:effectLst/>
+                        </a:rPr>
+                        <a:t>3.81310289</a:t>
+                      </a:r>
+                      <a:endParaRPr lang="en-GB" sz="1100" b="0" i="0" u="none" strike="noStrike">
+                        <a:solidFill>
+                          <a:srgbClr val="000000"/>
+                        </a:solidFill>
+                        <a:effectLst/>
+                        <a:latin typeface="Calibri"/>
+                      </a:endParaRPr>
+                    </a:p>
+                  </a:txBody>
+                  <a:tcPr marL="9525" marR="9525" marT="9525" marB="0" anchor="b"/>
+                </a:tc>
+                <a:tc>
+                  <a:txBody>
+                    <a:bodyPr/>
+                    <a:lstStyle/>
+                    <a:p>
+                      <a:pPr algn="r" fontAlgn="b"/>
+                      <a:r>
+                        <a:rPr lang="en-GB" sz="1100" u="none" strike="noStrike">
+                          <a:effectLst/>
+                        </a:rPr>
+                        <a:t>268.3943</a:t>
+                      </a:r>
+                      <a:endParaRPr lang="en-GB" sz="1100" b="0" i="0" u="none" strike="noStrike">
+                        <a:solidFill>
+                          <a:srgbClr val="000000"/>
+                        </a:solidFill>
+                        <a:effectLst/>
+                        <a:latin typeface="Calibri"/>
+                      </a:endParaRPr>
+                    </a:p>
+                  </a:txBody>
+                  <a:tcPr marL="9525" marR="9525" marT="9525" marB="0" anchor="b"/>
+                </a:tc>
+              </a:tr>
+              <a:tr h="225597">
+                <a:tc>
+                  <a:txBody>
+                    <a:bodyPr/>
+                    <a:lstStyle/>
+                    <a:p>
+                      <a:pPr algn="l" fontAlgn="b"/>
+                      <a:r>
+                        <a:rPr lang="en-GB" sz="1100" u="none" strike="noStrike">
+                          <a:effectLst/>
+                        </a:rPr>
+                        <a:t>LMNA</a:t>
+                      </a:r>
+                      <a:endParaRPr lang="en-GB" sz="1100" b="0" i="0" u="none" strike="noStrike">
+                        <a:solidFill>
+                          <a:srgbClr val="000000"/>
+                        </a:solidFill>
+                        <a:effectLst/>
+                        <a:latin typeface="Calibri"/>
+                      </a:endParaRPr>
+                    </a:p>
+                  </a:txBody>
+                  <a:tcPr marL="9525" marR="9525" marT="9525" marB="0" anchor="b"/>
+                </a:tc>
+                <a:tc>
+                  <a:txBody>
+                    <a:bodyPr/>
+                    <a:lstStyle/>
+                    <a:p>
+                      <a:pPr algn="r" fontAlgn="b"/>
+                      <a:r>
+                        <a:rPr lang="en-GB" sz="1100" u="none" strike="noStrike">
+                          <a:effectLst/>
+                        </a:rPr>
+                        <a:t>0.278007308</a:t>
+                      </a:r>
+                      <a:endParaRPr lang="en-GB" sz="1100" b="0" i="0" u="none" strike="noStrike">
+                        <a:solidFill>
+                          <a:srgbClr val="000000"/>
+                        </a:solidFill>
+                        <a:effectLst/>
+                        <a:latin typeface="Calibri"/>
+                      </a:endParaRPr>
+                    </a:p>
+                  </a:txBody>
+                  <a:tcPr marL="9525" marR="9525" marT="9525" marB="0" anchor="b"/>
+                </a:tc>
+                <a:tc>
+                  <a:txBody>
+                    <a:bodyPr/>
+                    <a:lstStyle/>
+                    <a:p>
+                      <a:pPr algn="r" fontAlgn="b"/>
+                      <a:r>
+                        <a:rPr lang="en-GB" sz="1100" u="none" strike="noStrike">
+                          <a:effectLst/>
+                        </a:rPr>
+                        <a:t>46</a:t>
+                      </a:r>
+                      <a:endParaRPr lang="en-GB" sz="1100" b="0" i="0" u="none" strike="noStrike">
+                        <a:solidFill>
+                          <a:srgbClr val="000000"/>
+                        </a:solidFill>
+                        <a:effectLst/>
+                        <a:latin typeface="Calibri"/>
+                      </a:endParaRPr>
+                    </a:p>
+                  </a:txBody>
+                  <a:tcPr marL="9525" marR="9525" marT="9525" marB="0" anchor="b"/>
+                </a:tc>
+                <a:tc>
+                  <a:txBody>
+                    <a:bodyPr/>
+                    <a:lstStyle/>
+                    <a:p>
+                      <a:pPr algn="r" fontAlgn="b"/>
+                      <a:r>
+                        <a:rPr lang="en-GB" sz="1100" u="none" strike="noStrike">
+                          <a:effectLst/>
+                        </a:rPr>
+                        <a:t>1</a:t>
+                      </a:r>
+                      <a:endParaRPr lang="en-GB" sz="1100" b="0" i="0" u="none" strike="noStrike">
+                        <a:solidFill>
+                          <a:srgbClr val="000000"/>
+                        </a:solidFill>
+                        <a:effectLst/>
+                        <a:latin typeface="Calibri"/>
+                      </a:endParaRPr>
+                    </a:p>
+                  </a:txBody>
+                  <a:tcPr marL="9525" marR="9525" marT="9525" marB="0" anchor="b"/>
+                </a:tc>
+                <a:tc>
+                  <a:txBody>
+                    <a:bodyPr/>
+                    <a:lstStyle/>
+                    <a:p>
+                      <a:pPr algn="r" fontAlgn="b"/>
+                      <a:r>
+                        <a:rPr lang="en-GB" sz="1100" u="none" strike="noStrike">
+                          <a:effectLst/>
+                        </a:rPr>
+                        <a:t>3.83038585</a:t>
+                      </a:r>
+                      <a:endParaRPr lang="en-GB" sz="1100" b="0" i="0" u="none" strike="noStrike">
+                        <a:solidFill>
+                          <a:srgbClr val="000000"/>
+                        </a:solidFill>
+                        <a:effectLst/>
+                        <a:latin typeface="Calibri"/>
+                      </a:endParaRPr>
+                    </a:p>
+                  </a:txBody>
+                  <a:tcPr marL="9525" marR="9525" marT="9525" marB="0" anchor="b"/>
+                </a:tc>
+                <a:tc>
+                  <a:txBody>
+                    <a:bodyPr/>
+                    <a:lstStyle/>
+                    <a:p>
+                      <a:pPr algn="r" fontAlgn="b"/>
+                      <a:r>
+                        <a:rPr lang="en-GB" sz="1100" u="none" strike="noStrike">
+                          <a:effectLst/>
+                        </a:rPr>
+                        <a:t>253.1862</a:t>
+                      </a:r>
+                      <a:endParaRPr lang="en-GB" sz="1100" b="0" i="0" u="none" strike="noStrike">
+                        <a:solidFill>
+                          <a:srgbClr val="000000"/>
+                        </a:solidFill>
+                        <a:effectLst/>
+                        <a:latin typeface="Calibri"/>
+                      </a:endParaRPr>
+                    </a:p>
+                  </a:txBody>
+                  <a:tcPr marL="9525" marR="9525" marT="9525" marB="0" anchor="b"/>
+                </a:tc>
+              </a:tr>
+              <a:tr h="225597">
+                <a:tc>
+                  <a:txBody>
+                    <a:bodyPr/>
+                    <a:lstStyle/>
+                    <a:p>
+                      <a:pPr algn="l" fontAlgn="b"/>
+                      <a:r>
+                        <a:rPr lang="en-GB" sz="1100" u="none" strike="noStrike">
+                          <a:effectLst/>
+                        </a:rPr>
+                        <a:t>MTPAP</a:t>
+                      </a:r>
+                      <a:endParaRPr lang="en-GB" sz="1100" b="0" i="0" u="none" strike="noStrike">
+                        <a:solidFill>
+                          <a:srgbClr val="000000"/>
+                        </a:solidFill>
+                        <a:effectLst/>
+                        <a:latin typeface="Calibri"/>
+                      </a:endParaRPr>
+                    </a:p>
+                  </a:txBody>
+                  <a:tcPr marL="9525" marR="9525" marT="9525" marB="0" anchor="b"/>
+                </a:tc>
+                <a:tc>
+                  <a:txBody>
+                    <a:bodyPr/>
+                    <a:lstStyle/>
+                    <a:p>
+                      <a:pPr algn="r" fontAlgn="b"/>
+                      <a:r>
+                        <a:rPr lang="en-GB" sz="1100" u="none" strike="noStrike">
+                          <a:effectLst/>
+                        </a:rPr>
+                        <a:t>0.261561689</a:t>
+                      </a:r>
+                      <a:endParaRPr lang="en-GB" sz="1100" b="0" i="0" u="none" strike="noStrike">
+                        <a:solidFill>
+                          <a:srgbClr val="000000"/>
+                        </a:solidFill>
+                        <a:effectLst/>
+                        <a:latin typeface="Calibri"/>
+                      </a:endParaRPr>
+                    </a:p>
+                  </a:txBody>
+                  <a:tcPr marL="9525" marR="9525" marT="9525" marB="0" anchor="b"/>
+                </a:tc>
+                <a:tc>
+                  <a:txBody>
+                    <a:bodyPr/>
+                    <a:lstStyle/>
+                    <a:p>
+                      <a:pPr algn="r" fontAlgn="b"/>
+                      <a:r>
+                        <a:rPr lang="en-GB" sz="1100" u="none" strike="noStrike">
+                          <a:effectLst/>
+                        </a:rPr>
+                        <a:t>48</a:t>
+                      </a:r>
+                      <a:endParaRPr lang="en-GB" sz="1100" b="0" i="0" u="none" strike="noStrike">
+                        <a:solidFill>
+                          <a:srgbClr val="000000"/>
+                        </a:solidFill>
+                        <a:effectLst/>
+                        <a:latin typeface="Calibri"/>
+                      </a:endParaRPr>
+                    </a:p>
+                  </a:txBody>
+                  <a:tcPr marL="9525" marR="9525" marT="9525" marB="0" anchor="b"/>
+                </a:tc>
+                <a:tc>
+                  <a:txBody>
+                    <a:bodyPr/>
+                    <a:lstStyle/>
+                    <a:p>
+                      <a:pPr algn="r" fontAlgn="b"/>
+                      <a:r>
+                        <a:rPr lang="en-GB" sz="1100" u="none" strike="noStrike">
+                          <a:effectLst/>
+                        </a:rPr>
+                        <a:t>1</a:t>
+                      </a:r>
+                      <a:endParaRPr lang="en-GB" sz="1100" b="0" i="0" u="none" strike="noStrike">
+                        <a:solidFill>
+                          <a:srgbClr val="000000"/>
+                        </a:solidFill>
+                        <a:effectLst/>
+                        <a:latin typeface="Calibri"/>
+                      </a:endParaRPr>
+                    </a:p>
+                  </a:txBody>
+                  <a:tcPr marL="9525" marR="9525" marT="9525" marB="0" anchor="b"/>
+                </a:tc>
+                <a:tc>
+                  <a:txBody>
+                    <a:bodyPr/>
+                    <a:lstStyle/>
+                    <a:p>
+                      <a:pPr algn="r" fontAlgn="b"/>
+                      <a:r>
+                        <a:rPr lang="en-GB" sz="1100" u="none" strike="noStrike">
+                          <a:effectLst/>
+                        </a:rPr>
+                        <a:t>3.95699357</a:t>
+                      </a:r>
+                      <a:endParaRPr lang="en-GB" sz="1100" b="0" i="0" u="none" strike="noStrike">
+                        <a:solidFill>
+                          <a:srgbClr val="000000"/>
+                        </a:solidFill>
+                        <a:effectLst/>
+                        <a:latin typeface="Calibri"/>
+                      </a:endParaRPr>
+                    </a:p>
+                  </a:txBody>
+                  <a:tcPr marL="9525" marR="9525" marT="9525" marB="0" anchor="b"/>
+                </a:tc>
+                <a:tc>
+                  <a:txBody>
+                    <a:bodyPr/>
+                    <a:lstStyle/>
+                    <a:p>
+                      <a:pPr algn="r" fontAlgn="b"/>
+                      <a:r>
+                        <a:rPr lang="en-GB" sz="1100" u="none" strike="noStrike" dirty="0">
+                          <a:effectLst/>
+                        </a:rPr>
+                        <a:t>251.5704</a:t>
+                      </a:r>
+                      <a:endParaRPr lang="en-GB" sz="1100" b="0" i="0" u="none" strike="noStrike" dirty="0">
+                        <a:solidFill>
+                          <a:srgbClr val="000000"/>
+                        </a:solidFill>
+                        <a:effectLst/>
+                        <a:latin typeface="Calibri"/>
+                      </a:endParaRPr>
+                    </a:p>
+                  </a:txBody>
+                  <a:tcPr marL="9525" marR="9525" marT="9525" marB="0" anchor="b"/>
+                </a:tc>
+              </a:tr>
+            </a:tbl>
+          </a:graphicData>
+        </a:graphic>
+      </p:graphicFrame>
     </p:spTree>
     <p:extLst>
       <p:ext uri="{BB962C8B-B14F-4D97-AF65-F5344CB8AC3E}">
@@ -8281,7 +10487,7 @@
 </p:sld>
 </file>
 
-<file path=ppt/slides/slide17.xml><?xml version="1.0" encoding="utf-8"?>
+<file path=ppt/slides/slide16.xml><?xml version="1.0" encoding="utf-8"?>
 <p:sld xmlns:a="http://schemas.openxmlformats.org/drawingml/2006/main" xmlns:r="http://schemas.openxmlformats.org/officeDocument/2006/relationships" xmlns:p="http://schemas.openxmlformats.org/presentationml/2006/main">
   <p:cSld>
     <p:spTree>
@@ -8416,7 +10622,6 @@
               <a:rPr lang="en-GB" sz="1100" dirty="0"/>
               <a:t>, 52(1), pp.R79-R93.</a:t>
             </a:r>
-            <a:endParaRPr lang="en-GB" sz="1100" dirty="0"/>
           </a:p>
         </p:txBody>
       </p:sp>
@@ -8440,7 +10645,7 @@
 </p:sld>
 </file>
 
-<file path=ppt/slides/slide18.xml><?xml version="1.0" encoding="utf-8"?>
+<file path=ppt/slides/slide17.xml><?xml version="1.0" encoding="utf-8"?>
 <p:sld xmlns:a="http://schemas.openxmlformats.org/drawingml/2006/main" xmlns:r="http://schemas.openxmlformats.org/officeDocument/2006/relationships" xmlns:p="http://schemas.openxmlformats.org/presentationml/2006/main">
   <p:cSld>
     <p:spTree>
@@ -9647,7 +11852,7 @@
         </p:nvGraphicFramePr>
         <p:xfrm>
           <a:off x="899592" y="1628800"/>
-          <a:ext cx="7128791" cy="4493744"/>
+          <a:ext cx="7128791" cy="4515301"/>
         </p:xfrm>
         <a:graphic>
           <a:graphicData uri="http://schemas.openxmlformats.org/drawingml/2006/table">
@@ -15073,4 +17278,289 @@
   <a:objectDefaults/>
   <a:extraClrSchemeLst/>
 </a:theme>
+</file>
+
+<file path=ppt/theme/theme2.xml><?xml version="1.0" encoding="utf-8"?>
+<a:theme xmlns:a="http://schemas.openxmlformats.org/drawingml/2006/main" name="Office Theme">
+  <a:themeElements>
+    <a:clrScheme name="Office">
+      <a:dk1>
+        <a:sysClr val="windowText" lastClr="000000"/>
+      </a:dk1>
+      <a:lt1>
+        <a:sysClr val="window" lastClr="FFFFFF"/>
+      </a:lt1>
+      <a:dk2>
+        <a:srgbClr val="1F497D"/>
+      </a:dk2>
+      <a:lt2>
+        <a:srgbClr val="EEECE1"/>
+      </a:lt2>
+      <a:accent1>
+        <a:srgbClr val="4F81BD"/>
+      </a:accent1>
+      <a:accent2>
+        <a:srgbClr val="C0504D"/>
+      </a:accent2>
+      <a:accent3>
+        <a:srgbClr val="9BBB59"/>
+      </a:accent3>
+      <a:accent4>
+        <a:srgbClr val="8064A2"/>
+      </a:accent4>
+      <a:accent5>
+        <a:srgbClr val="4BACC6"/>
+      </a:accent5>
+      <a:accent6>
+        <a:srgbClr val="F79646"/>
+      </a:accent6>
+      <a:hlink>
+        <a:srgbClr val="0000FF"/>
+      </a:hlink>
+      <a:folHlink>
+        <a:srgbClr val="800080"/>
+      </a:folHlink>
+    </a:clrScheme>
+    <a:fontScheme name="Office">
+      <a:majorFont>
+        <a:latin typeface="Calibri"/>
+        <a:ea typeface=""/>
+        <a:cs typeface=""/>
+        <a:font script="Jpan" typeface="ＭＳ Ｐゴシック"/>
+        <a:font script="Hang" typeface="맑은 고딕"/>
+        <a:font script="Hans" typeface="宋体"/>
+        <a:font script="Hant" typeface="新細明體"/>
+        <a:font script="Arab" typeface="Times New Roman"/>
+        <a:font script="Hebr" typeface="Times New Roman"/>
+        <a:font script="Thai" typeface="Angsana New"/>
+        <a:font script="Ethi" typeface="Nyala"/>
+        <a:font script="Beng" typeface="Vrinda"/>
+        <a:font script="Gujr" typeface="Shruti"/>
+        <a:font script="Khmr" typeface="MoolBoran"/>
+        <a:font script="Knda" typeface="Tunga"/>
+        <a:font script="Guru" typeface="Raavi"/>
+        <a:font script="Cans" typeface="Euphemia"/>
+        <a:font script="Cher" typeface="Plantagenet Cherokee"/>
+        <a:font script="Yiii" typeface="Microsoft Yi Baiti"/>
+        <a:font script="Tibt" typeface="Microsoft Himalaya"/>
+        <a:font script="Thaa" typeface="MV Boli"/>
+        <a:font script="Deva" typeface="Mangal"/>
+        <a:font script="Telu" typeface="Gautami"/>
+        <a:font script="Taml" typeface="Latha"/>
+        <a:font script="Syrc" typeface="Estrangelo Edessa"/>
+        <a:font script="Orya" typeface="Kalinga"/>
+        <a:font script="Mlym" typeface="Kartika"/>
+        <a:font script="Laoo" typeface="DokChampa"/>
+        <a:font script="Sinh" typeface="Iskoola Pota"/>
+        <a:font script="Mong" typeface="Mongolian Baiti"/>
+        <a:font script="Viet" typeface="Times New Roman"/>
+        <a:font script="Uigh" typeface="Microsoft Uighur"/>
+        <a:font script="Geor" typeface="Sylfaen"/>
+      </a:majorFont>
+      <a:minorFont>
+        <a:latin typeface="Calibri"/>
+        <a:ea typeface=""/>
+        <a:cs typeface=""/>
+        <a:font script="Jpan" typeface="ＭＳ Ｐゴシック"/>
+        <a:font script="Hang" typeface="맑은 고딕"/>
+        <a:font script="Hans" typeface="宋体"/>
+        <a:font script="Hant" typeface="新細明體"/>
+        <a:font script="Arab" typeface="Arial"/>
+        <a:font script="Hebr" typeface="Arial"/>
+        <a:font script="Thai" typeface="Cordia New"/>
+        <a:font script="Ethi" typeface="Nyala"/>
+        <a:font script="Beng" typeface="Vrinda"/>
+        <a:font script="Gujr" typeface="Shruti"/>
+        <a:font script="Khmr" typeface="DaunPenh"/>
+        <a:font script="Knda" typeface="Tunga"/>
+        <a:font script="Guru" typeface="Raavi"/>
+        <a:font script="Cans" typeface="Euphemia"/>
+        <a:font script="Cher" typeface="Plantagenet Cherokee"/>
+        <a:font script="Yiii" typeface="Microsoft Yi Baiti"/>
+        <a:font script="Tibt" typeface="Microsoft Himalaya"/>
+        <a:font script="Thaa" typeface="MV Boli"/>
+        <a:font script="Deva" typeface="Mangal"/>
+        <a:font script="Telu" typeface="Gautami"/>
+        <a:font script="Taml" typeface="Latha"/>
+        <a:font script="Syrc" typeface="Estrangelo Edessa"/>
+        <a:font script="Orya" typeface="Kalinga"/>
+        <a:font script="Mlym" typeface="Kartika"/>
+        <a:font script="Laoo" typeface="DokChampa"/>
+        <a:font script="Sinh" typeface="Iskoola Pota"/>
+        <a:font script="Mong" typeface="Mongolian Baiti"/>
+        <a:font script="Viet" typeface="Arial"/>
+        <a:font script="Uigh" typeface="Microsoft Uighur"/>
+        <a:font script="Geor" typeface="Sylfaen"/>
+      </a:minorFont>
+    </a:fontScheme>
+    <a:fmtScheme name="Office">
+      <a:fillStyleLst>
+        <a:solidFill>
+          <a:schemeClr val="phClr"/>
+        </a:solidFill>
+        <a:gradFill rotWithShape="1">
+          <a:gsLst>
+            <a:gs pos="0">
+              <a:schemeClr val="phClr">
+                <a:tint val="50000"/>
+                <a:satMod val="300000"/>
+              </a:schemeClr>
+            </a:gs>
+            <a:gs pos="35000">
+              <a:schemeClr val="phClr">
+                <a:tint val="37000"/>
+                <a:satMod val="300000"/>
+              </a:schemeClr>
+            </a:gs>
+            <a:gs pos="100000">
+              <a:schemeClr val="phClr">
+                <a:tint val="15000"/>
+                <a:satMod val="350000"/>
+              </a:schemeClr>
+            </a:gs>
+          </a:gsLst>
+          <a:lin ang="16200000" scaled="1"/>
+        </a:gradFill>
+        <a:gradFill rotWithShape="1">
+          <a:gsLst>
+            <a:gs pos="0">
+              <a:schemeClr val="phClr">
+                <a:shade val="51000"/>
+                <a:satMod val="130000"/>
+              </a:schemeClr>
+            </a:gs>
+            <a:gs pos="80000">
+              <a:schemeClr val="phClr">
+                <a:shade val="93000"/>
+                <a:satMod val="130000"/>
+              </a:schemeClr>
+            </a:gs>
+            <a:gs pos="100000">
+              <a:schemeClr val="phClr">
+                <a:shade val="94000"/>
+                <a:satMod val="135000"/>
+              </a:schemeClr>
+            </a:gs>
+          </a:gsLst>
+          <a:lin ang="16200000" scaled="0"/>
+        </a:gradFill>
+      </a:fillStyleLst>
+      <a:lnStyleLst>
+        <a:ln w="9525" cap="flat" cmpd="sng" algn="ctr">
+          <a:solidFill>
+            <a:schemeClr val="phClr">
+              <a:shade val="95000"/>
+              <a:satMod val="105000"/>
+            </a:schemeClr>
+          </a:solidFill>
+          <a:prstDash val="solid"/>
+        </a:ln>
+        <a:ln w="25400" cap="flat" cmpd="sng" algn="ctr">
+          <a:solidFill>
+            <a:schemeClr val="phClr"/>
+          </a:solidFill>
+          <a:prstDash val="solid"/>
+        </a:ln>
+        <a:ln w="38100" cap="flat" cmpd="sng" algn="ctr">
+          <a:solidFill>
+            <a:schemeClr val="phClr"/>
+          </a:solidFill>
+          <a:prstDash val="solid"/>
+        </a:ln>
+      </a:lnStyleLst>
+      <a:effectStyleLst>
+        <a:effectStyle>
+          <a:effectLst>
+            <a:outerShdw blurRad="40000" dist="20000" dir="5400000" rotWithShape="0">
+              <a:srgbClr val="000000">
+                <a:alpha val="38000"/>
+              </a:srgbClr>
+            </a:outerShdw>
+          </a:effectLst>
+        </a:effectStyle>
+        <a:effectStyle>
+          <a:effectLst>
+            <a:outerShdw blurRad="40000" dist="23000" dir="5400000" rotWithShape="0">
+              <a:srgbClr val="000000">
+                <a:alpha val="35000"/>
+              </a:srgbClr>
+            </a:outerShdw>
+          </a:effectLst>
+        </a:effectStyle>
+        <a:effectStyle>
+          <a:effectLst>
+            <a:outerShdw blurRad="40000" dist="23000" dir="5400000" rotWithShape="0">
+              <a:srgbClr val="000000">
+                <a:alpha val="35000"/>
+              </a:srgbClr>
+            </a:outerShdw>
+          </a:effectLst>
+          <a:scene3d>
+            <a:camera prst="orthographicFront">
+              <a:rot lat="0" lon="0" rev="0"/>
+            </a:camera>
+            <a:lightRig rig="threePt" dir="t">
+              <a:rot lat="0" lon="0" rev="1200000"/>
+            </a:lightRig>
+          </a:scene3d>
+          <a:sp3d>
+            <a:bevelT w="63500" h="25400"/>
+          </a:sp3d>
+        </a:effectStyle>
+      </a:effectStyleLst>
+      <a:bgFillStyleLst>
+        <a:solidFill>
+          <a:schemeClr val="phClr"/>
+        </a:solidFill>
+        <a:gradFill rotWithShape="1">
+          <a:gsLst>
+            <a:gs pos="0">
+              <a:schemeClr val="phClr">
+                <a:tint val="40000"/>
+                <a:satMod val="350000"/>
+              </a:schemeClr>
+            </a:gs>
+            <a:gs pos="40000">
+              <a:schemeClr val="phClr">
+                <a:tint val="45000"/>
+                <a:shade val="99000"/>
+                <a:satMod val="350000"/>
+              </a:schemeClr>
+            </a:gs>
+            <a:gs pos="100000">
+              <a:schemeClr val="phClr">
+                <a:shade val="20000"/>
+                <a:satMod val="255000"/>
+              </a:schemeClr>
+            </a:gs>
+          </a:gsLst>
+          <a:path path="circle">
+            <a:fillToRect l="50000" t="-80000" r="50000" b="180000"/>
+          </a:path>
+        </a:gradFill>
+        <a:gradFill rotWithShape="1">
+          <a:gsLst>
+            <a:gs pos="0">
+              <a:schemeClr val="phClr">
+                <a:tint val="80000"/>
+                <a:satMod val="300000"/>
+              </a:schemeClr>
+            </a:gs>
+            <a:gs pos="100000">
+              <a:schemeClr val="phClr">
+                <a:shade val="30000"/>
+                <a:satMod val="200000"/>
+              </a:schemeClr>
+            </a:gs>
+          </a:gsLst>
+          <a:path path="circle">
+            <a:fillToRect l="50000" t="50000" r="50000" b="50000"/>
+          </a:path>
+        </a:gradFill>
+      </a:bgFillStyleLst>
+    </a:fmtScheme>
+  </a:themeElements>
+  <a:objectDefaults/>
+  <a:extraClrSchemeLst/>
+</a:theme>
 </file>